--- a/cuhk-csc-1004/slides/CSC1004 Tutorial 5.pptx
+++ b/cuhk-csc-1004/slides/CSC1004 Tutorial 5.pptx
@@ -5,7 +5,7 @@
     <p:sldMasterId id="2147483648" r:id="rId1"/>
   </p:sldMasterIdLst>
   <p:notesMasterIdLst>
-    <p:notesMasterId r:id="rId13"/>
+    <p:notesMasterId r:id="rId14"/>
   </p:notesMasterIdLst>
   <p:sldIdLst>
     <p:sldId id="257" r:id="rId2"/>
@@ -15,15 +15,16 @@
     <p:sldId id="343" r:id="rId6"/>
     <p:sldId id="341" r:id="rId7"/>
     <p:sldId id="344" r:id="rId8"/>
-    <p:sldId id="333" r:id="rId9"/>
-    <p:sldId id="345" r:id="rId10"/>
-    <p:sldId id="342" r:id="rId11"/>
-    <p:sldId id="262" r:id="rId12"/>
+    <p:sldId id="346" r:id="rId9"/>
+    <p:sldId id="333" r:id="rId10"/>
+    <p:sldId id="345" r:id="rId11"/>
+    <p:sldId id="342" r:id="rId12"/>
+    <p:sldId id="262" r:id="rId13"/>
   </p:sldIdLst>
   <p:sldSz cx="12192000" cy="6858000"/>
   <p:notesSz cx="6858000" cy="9144000"/>
   <p:custDataLst>
-    <p:tags r:id="rId14"/>
+    <p:tags r:id="rId15"/>
   </p:custDataLst>
   <p:defaultTextStyle>
     <a:lvl1pPr marL="0" lvl="0" algn="l" defTabSz="914400">
@@ -204,7 +205,7 @@
           <a:p>
             <a:fld id="{78F13B20-8BB8-B74B-ADB5-DA5707988F1E}" type="datetimeFigureOut">
               <a:rPr lang="zh-CN" altLang="en-US"/>
-              <a:t>2024/3/1</a:t>
+              <a:t>2024/3/29</a:t>
             </a:fld>
             <a:endParaRPr kumimoji="1" lang="zh-CN" altLang="en-US"/>
           </a:p>
@@ -1507,6 +1508,360 @@
         <p:cNvPr id="1" name="">
           <a:extLst>
             <a:ext uri="{FF2B5EF4-FFF2-40B4-BE49-F238E27FC236}">
+              <a16:creationId xmlns:a16="http://schemas.microsoft.com/office/drawing/2014/main" id="{EDB11E35-B1F7-7C18-C66A-6AA2EBDD826A}"/>
+            </a:ext>
+          </a:extLst>
+        </p:cNvPr>
+        <p:cNvGrpSpPr/>
+        <p:nvPr/>
+      </p:nvGrpSpPr>
+      <p:grpSpPr>
+        <a:xfrm>
+          <a:off x="0" y="0"/>
+          <a:ext cx="0" cy="0"/>
+          <a:chOff x="0" y="0"/>
+          <a:chExt cx="0" cy="0"/>
+        </a:xfrm>
+      </p:grpSpPr>
+      <p:sp>
+        <p:nvSpPr>
+          <p:cNvPr id="1048589" name="标题 4">
+            <a:extLst>
+              <a:ext uri="{FF2B5EF4-FFF2-40B4-BE49-F238E27FC236}">
+                <a16:creationId xmlns:a16="http://schemas.microsoft.com/office/drawing/2014/main" id="{3A6973EA-4B0D-2DAD-450E-7EDDA2C60FDF}"/>
+              </a:ext>
+            </a:extLst>
+          </p:cNvPr>
+          <p:cNvSpPr>
+            <a:spLocks noGrp="1"/>
+          </p:cNvSpPr>
+          <p:nvPr>
+            <p:ph type="title"/>
+          </p:nvPr>
+        </p:nvSpPr>
+        <p:spPr/>
+        <p:txBody>
+          <a:bodyPr>
+            <a:normAutofit/>
+          </a:bodyPr>
+          <a:lstStyle/>
+          <a:p>
+            <a:r>
+              <a:rPr lang="en-US" altLang="zh-CN" sz="4000" dirty="0"/>
+              <a:t>Sample Input / Output</a:t>
+            </a:r>
+            <a:endParaRPr lang="zh-CN" sz="4000" dirty="0"/>
+          </a:p>
+        </p:txBody>
+      </p:sp>
+      <p:pic>
+        <p:nvPicPr>
+          <p:cNvPr id="4" name="图片 3">
+            <a:extLst>
+              <a:ext uri="{FF2B5EF4-FFF2-40B4-BE49-F238E27FC236}">
+                <a16:creationId xmlns:a16="http://schemas.microsoft.com/office/drawing/2014/main" id="{3449A544-CC09-88B7-DFE6-4C196962B302}"/>
+              </a:ext>
+            </a:extLst>
+          </p:cNvPr>
+          <p:cNvPicPr>
+            <a:picLocks noChangeAspect="1"/>
+          </p:cNvPicPr>
+          <p:nvPr/>
+        </p:nvPicPr>
+        <p:blipFill>
+          <a:blip r:embed="rId2"/>
+          <a:stretch>
+            <a:fillRect/>
+          </a:stretch>
+        </p:blipFill>
+        <p:spPr>
+          <a:xfrm>
+            <a:off x="275703" y="1412776"/>
+            <a:ext cx="5820297" cy="4032448"/>
+          </a:xfrm>
+          <a:prstGeom prst="rect">
+            <a:avLst/>
+          </a:prstGeom>
+        </p:spPr>
+      </p:pic>
+      <p:pic>
+        <p:nvPicPr>
+          <p:cNvPr id="6" name="图片 5">
+            <a:extLst>
+              <a:ext uri="{FF2B5EF4-FFF2-40B4-BE49-F238E27FC236}">
+                <a16:creationId xmlns:a16="http://schemas.microsoft.com/office/drawing/2014/main" id="{A17DF40C-3F57-F0D9-59DB-83F6CC912790}"/>
+              </a:ext>
+            </a:extLst>
+          </p:cNvPr>
+          <p:cNvPicPr>
+            <a:picLocks noChangeAspect="1"/>
+          </p:cNvPicPr>
+          <p:nvPr/>
+        </p:nvPicPr>
+        <p:blipFill>
+          <a:blip r:embed="rId3"/>
+          <a:stretch>
+            <a:fillRect/>
+          </a:stretch>
+        </p:blipFill>
+        <p:spPr>
+          <a:xfrm>
+            <a:off x="6384032" y="1412776"/>
+            <a:ext cx="5504368" cy="4032448"/>
+          </a:xfrm>
+          <a:prstGeom prst="rect">
+            <a:avLst/>
+          </a:prstGeom>
+        </p:spPr>
+      </p:pic>
+      <p:sp>
+        <p:nvSpPr>
+          <p:cNvPr id="8" name="文本框 7">
+            <a:extLst>
+              <a:ext uri="{FF2B5EF4-FFF2-40B4-BE49-F238E27FC236}">
+                <a16:creationId xmlns:a16="http://schemas.microsoft.com/office/drawing/2014/main" id="{D1B581C3-DDC5-F308-8D54-3B0E48B50747}"/>
+              </a:ext>
+            </a:extLst>
+          </p:cNvPr>
+          <p:cNvSpPr txBox="1"/>
+          <p:nvPr/>
+        </p:nvSpPr>
+        <p:spPr>
+          <a:xfrm>
+            <a:off x="2207568" y="5733256"/>
+            <a:ext cx="8640960" cy="338554"/>
+          </a:xfrm>
+          <a:prstGeom prst="rect">
+            <a:avLst/>
+          </a:prstGeom>
+          <a:noFill/>
+        </p:spPr>
+        <p:txBody>
+          <a:bodyPr wrap="square" rtlCol="0">
+            <a:spAutoFit/>
+          </a:bodyPr>
+          <a:lstStyle/>
+          <a:p>
+            <a:r>
+              <a:rPr lang="en-US" altLang="zh-CN" sz="1600" dirty="0"/>
+              <a:t>Player 1 picks (4,5) and forms five-stone-in-one-row, and the console show that the winner is Player 1.</a:t>
+            </a:r>
+          </a:p>
+        </p:txBody>
+      </p:sp>
+    </p:spTree>
+    <p:extLst>
+      <p:ext uri="{BB962C8B-B14F-4D97-AF65-F5344CB8AC3E}">
+        <p14:creationId xmlns:p14="http://schemas.microsoft.com/office/powerpoint/2010/main" val="1458745136"/>
+      </p:ext>
+    </p:extLst>
+  </p:cSld>
+  <p:clrMapOvr>
+    <a:masterClrMapping/>
+  </p:clrMapOvr>
+  <p:timing>
+    <p:tnLst>
+      <p:par>
+        <p:cTn id="1" dur="indefinite" restart="never" nodeType="tmRoot">
+          <p:childTnLst>
+            <p:seq concurrent="1" nextAc="seek">
+              <p:cTn id="2" dur="indefinite" nodeType="mainSeq">
+                <p:childTnLst>
+                  <p:par>
+                    <p:cTn id="3" fill="hold">
+                      <p:stCondLst>
+                        <p:cond delay="indefinite"/>
+                      </p:stCondLst>
+                      <p:childTnLst>
+                        <p:par>
+                          <p:cTn id="4" fill="hold">
+                            <p:stCondLst>
+                              <p:cond delay="0"/>
+                            </p:stCondLst>
+                            <p:childTnLst>
+                              <p:par>
+                                <p:cTn id="5" presetID="10" presetClass="entr" presetSubtype="0" fill="hold" nodeType="clickEffect">
+                                  <p:stCondLst>
+                                    <p:cond delay="0"/>
+                                  </p:stCondLst>
+                                  <p:childTnLst>
+                                    <p:set>
+                                      <p:cBhvr>
+                                        <p:cTn id="6" dur="1" fill="hold">
+                                          <p:stCondLst>
+                                            <p:cond delay="0"/>
+                                          </p:stCondLst>
+                                        </p:cTn>
+                                        <p:tgtEl>
+                                          <p:spTgt spid="4"/>
+                                        </p:tgtEl>
+                                        <p:attrNameLst>
+                                          <p:attrName>style.visibility</p:attrName>
+                                        </p:attrNameLst>
+                                      </p:cBhvr>
+                                      <p:to>
+                                        <p:strVal val="visible"/>
+                                      </p:to>
+                                    </p:set>
+                                    <p:animEffect transition="in" filter="fade">
+                                      <p:cBhvr>
+                                        <p:cTn id="7" dur="500"/>
+                                        <p:tgtEl>
+                                          <p:spTgt spid="4"/>
+                                        </p:tgtEl>
+                                      </p:cBhvr>
+                                    </p:animEffect>
+                                  </p:childTnLst>
+                                </p:cTn>
+                              </p:par>
+                            </p:childTnLst>
+                          </p:cTn>
+                        </p:par>
+                      </p:childTnLst>
+                    </p:cTn>
+                  </p:par>
+                  <p:par>
+                    <p:cTn id="8" fill="hold">
+                      <p:stCondLst>
+                        <p:cond delay="indefinite"/>
+                      </p:stCondLst>
+                      <p:childTnLst>
+                        <p:par>
+                          <p:cTn id="9" fill="hold">
+                            <p:stCondLst>
+                              <p:cond delay="0"/>
+                            </p:stCondLst>
+                            <p:childTnLst>
+                              <p:par>
+                                <p:cTn id="10" presetID="10" presetClass="entr" presetSubtype="0" fill="hold" nodeType="clickEffect">
+                                  <p:stCondLst>
+                                    <p:cond delay="0"/>
+                                  </p:stCondLst>
+                                  <p:childTnLst>
+                                    <p:set>
+                                      <p:cBhvr>
+                                        <p:cTn id="11" dur="1" fill="hold">
+                                          <p:stCondLst>
+                                            <p:cond delay="0"/>
+                                          </p:stCondLst>
+                                        </p:cTn>
+                                        <p:tgtEl>
+                                          <p:spTgt spid="6"/>
+                                        </p:tgtEl>
+                                        <p:attrNameLst>
+                                          <p:attrName>style.visibility</p:attrName>
+                                        </p:attrNameLst>
+                                      </p:cBhvr>
+                                      <p:to>
+                                        <p:strVal val="visible"/>
+                                      </p:to>
+                                    </p:set>
+                                    <p:animEffect transition="in" filter="fade">
+                                      <p:cBhvr>
+                                        <p:cTn id="12" dur="500"/>
+                                        <p:tgtEl>
+                                          <p:spTgt spid="6"/>
+                                        </p:tgtEl>
+                                      </p:cBhvr>
+                                    </p:animEffect>
+                                  </p:childTnLst>
+                                </p:cTn>
+                              </p:par>
+                            </p:childTnLst>
+                          </p:cTn>
+                        </p:par>
+                      </p:childTnLst>
+                    </p:cTn>
+                  </p:par>
+                  <p:par>
+                    <p:cTn id="13" fill="hold">
+                      <p:stCondLst>
+                        <p:cond delay="indefinite"/>
+                      </p:stCondLst>
+                      <p:childTnLst>
+                        <p:par>
+                          <p:cTn id="14" fill="hold">
+                            <p:stCondLst>
+                              <p:cond delay="0"/>
+                            </p:stCondLst>
+                            <p:childTnLst>
+                              <p:par>
+                                <p:cTn id="15" presetID="10" presetClass="entr" presetSubtype="0" fill="hold" grpId="0" nodeType="clickEffect">
+                                  <p:stCondLst>
+                                    <p:cond delay="0"/>
+                                  </p:stCondLst>
+                                  <p:childTnLst>
+                                    <p:set>
+                                      <p:cBhvr>
+                                        <p:cTn id="16" dur="1" fill="hold">
+                                          <p:stCondLst>
+                                            <p:cond delay="0"/>
+                                          </p:stCondLst>
+                                        </p:cTn>
+                                        <p:tgtEl>
+                                          <p:spTgt spid="8"/>
+                                        </p:tgtEl>
+                                        <p:attrNameLst>
+                                          <p:attrName>style.visibility</p:attrName>
+                                        </p:attrNameLst>
+                                      </p:cBhvr>
+                                      <p:to>
+                                        <p:strVal val="visible"/>
+                                      </p:to>
+                                    </p:set>
+                                    <p:animEffect transition="in" filter="fade">
+                                      <p:cBhvr>
+                                        <p:cTn id="17" dur="500"/>
+                                        <p:tgtEl>
+                                          <p:spTgt spid="8"/>
+                                        </p:tgtEl>
+                                      </p:cBhvr>
+                                    </p:animEffect>
+                                  </p:childTnLst>
+                                </p:cTn>
+                              </p:par>
+                            </p:childTnLst>
+                          </p:cTn>
+                        </p:par>
+                      </p:childTnLst>
+                    </p:cTn>
+                  </p:par>
+                </p:childTnLst>
+              </p:cTn>
+              <p:prevCondLst>
+                <p:cond evt="onPrev" delay="0">
+                  <p:tgtEl>
+                    <p:sldTgt/>
+                  </p:tgtEl>
+                </p:cond>
+              </p:prevCondLst>
+              <p:nextCondLst>
+                <p:cond evt="onNext" delay="0">
+                  <p:tgtEl>
+                    <p:sldTgt/>
+                  </p:tgtEl>
+                </p:cond>
+              </p:nextCondLst>
+            </p:seq>
+          </p:childTnLst>
+        </p:cTn>
+      </p:par>
+    </p:tnLst>
+    <p:bldLst>
+      <p:bldP spid="8" grpId="0"/>
+    </p:bldLst>
+  </p:timing>
+</p:sld>
+</file>
+
+<file path=ppt/slides/slide11.xml><?xml version="1.0" encoding="utf-8"?>
+<p:sld xmlns:a="http://schemas.openxmlformats.org/drawingml/2006/main" xmlns:r="http://schemas.openxmlformats.org/officeDocument/2006/relationships" xmlns:p="http://schemas.openxmlformats.org/presentationml/2006/main">
+  <p:cSld>
+    <p:spTree>
+      <p:nvGrpSpPr>
+        <p:cNvPr id="1" name="">
+          <a:extLst>
+            <a:ext uri="{FF2B5EF4-FFF2-40B4-BE49-F238E27FC236}">
               <a16:creationId xmlns:a16="http://schemas.microsoft.com/office/drawing/2014/main" id="{90A67294-1692-13C9-4AE4-925D7DD65DA4}"/>
             </a:ext>
           </a:extLst>
@@ -1860,7 +2215,7 @@
 </p:sld>
 </file>
 
-<file path=ppt/slides/slide11.xml><?xml version="1.0" encoding="utf-8"?>
+<file path=ppt/slides/slide12.xml><?xml version="1.0" encoding="utf-8"?>
 <p:sld xmlns:a="http://schemas.openxmlformats.org/drawingml/2006/main" xmlns:r="http://schemas.openxmlformats.org/officeDocument/2006/relationships" xmlns:p="http://schemas.openxmlformats.org/presentationml/2006/main">
   <p:cSld>
     <p:spTree>
@@ -11095,7 +11450,7 @@
         <p:spPr>
           <a:xfrm>
             <a:off x="479376" y="1772816"/>
-            <a:ext cx="10945216" cy="1200329"/>
+            <a:ext cx="10945216" cy="1231106"/>
           </a:xfrm>
           <a:prstGeom prst="rect">
             <a:avLst/>
@@ -11130,7 +11485,15 @@
             </a:r>
             <a:r>
               <a:rPr lang="en-US" altLang="zh-CN" dirty="0"/>
-              <a:t>such stone is checked, there wouldn’t be any winning condition missed, and the computational cost each time is low.</a:t>
+              <a:t>such stone is checked, there wouldn’t be any winning condition missed, and the computational cost each time is low</a:t>
+            </a:r>
+            <a:r>
+              <a:rPr lang="en-US" altLang="zh-CN" b="1" dirty="0">
+                <a:solidFill>
+                  <a:srgbClr val="FF0000"/>
+                </a:solidFill>
+              </a:rPr>
+              <a:t> [Error: this is some incomplete implementation].</a:t>
             </a:r>
             <a:endParaRPr lang="zh-CN" altLang="en-US" dirty="0"/>
           </a:p>
@@ -14036,6 +14399,2521 @@
   <p:cSld>
     <p:spTree>
       <p:nvGrpSpPr>
+        <p:cNvPr id="1" name="">
+          <a:extLst>
+            <a:ext uri="{FF2B5EF4-FFF2-40B4-BE49-F238E27FC236}">
+              <a16:creationId xmlns:a16="http://schemas.microsoft.com/office/drawing/2014/main" id="{F61669BE-DC10-6218-B27B-798C5752D8C1}"/>
+            </a:ext>
+          </a:extLst>
+        </p:cNvPr>
+        <p:cNvGrpSpPr/>
+        <p:nvPr/>
+      </p:nvGrpSpPr>
+      <p:grpSpPr>
+        <a:xfrm>
+          <a:off x="0" y="0"/>
+          <a:ext cx="0" cy="0"/>
+          <a:chOff x="0" y="0"/>
+          <a:chExt cx="0" cy="0"/>
+        </a:xfrm>
+      </p:grpSpPr>
+      <p:sp>
+        <p:nvSpPr>
+          <p:cNvPr id="1048589" name="标题 4">
+            <a:extLst>
+              <a:ext uri="{FF2B5EF4-FFF2-40B4-BE49-F238E27FC236}">
+                <a16:creationId xmlns:a16="http://schemas.microsoft.com/office/drawing/2014/main" id="{44A9CD6D-099B-DA46-51D4-49706568DA89}"/>
+              </a:ext>
+            </a:extLst>
+          </p:cNvPr>
+          <p:cNvSpPr>
+            <a:spLocks noGrp="1"/>
+          </p:cNvSpPr>
+          <p:nvPr>
+            <p:ph type="title"/>
+          </p:nvPr>
+        </p:nvSpPr>
+        <p:spPr>
+          <a:xfrm>
+            <a:off x="191344" y="71541"/>
+            <a:ext cx="7884064" cy="835874"/>
+          </a:xfrm>
+        </p:spPr>
+        <p:txBody>
+          <a:bodyPr>
+            <a:normAutofit/>
+          </a:bodyPr>
+          <a:lstStyle/>
+          <a:p>
+            <a:r>
+              <a:rPr lang="en-US" altLang="zh-CN" sz="4000" dirty="0"/>
+              <a:t>Simplest Version: Iteration 1</a:t>
+            </a:r>
+            <a:endParaRPr lang="zh-CN" sz="4000" dirty="0"/>
+          </a:p>
+        </p:txBody>
+      </p:sp>
+      <p:sp>
+        <p:nvSpPr>
+          <p:cNvPr id="2" name="文本框 1">
+            <a:extLst>
+              <a:ext uri="{FF2B5EF4-FFF2-40B4-BE49-F238E27FC236}">
+                <a16:creationId xmlns:a16="http://schemas.microsoft.com/office/drawing/2014/main" id="{A8DA7246-7184-4524-8A70-166E2017AE23}"/>
+              </a:ext>
+            </a:extLst>
+          </p:cNvPr>
+          <p:cNvSpPr txBox="1"/>
+          <p:nvPr/>
+        </p:nvSpPr>
+        <p:spPr>
+          <a:xfrm>
+            <a:off x="479376" y="1196752"/>
+            <a:ext cx="10729192" cy="369332"/>
+          </a:xfrm>
+          <a:prstGeom prst="rect">
+            <a:avLst/>
+          </a:prstGeom>
+          <a:noFill/>
+        </p:spPr>
+        <p:txBody>
+          <a:bodyPr wrap="square" rtlCol="0">
+            <a:spAutoFit/>
+          </a:bodyPr>
+          <a:lstStyle/>
+          <a:p>
+            <a:r>
+              <a:rPr lang="en-US" altLang="zh-CN" b="1" dirty="0"/>
+              <a:t>Question 2</a:t>
+            </a:r>
+            <a:r>
+              <a:rPr lang="en-US" altLang="zh-CN" dirty="0"/>
+              <a:t>: Any counter example for the former algorithm? Anything missed?</a:t>
+            </a:r>
+            <a:endParaRPr lang="zh-CN" altLang="en-US" dirty="0"/>
+          </a:p>
+        </p:txBody>
+      </p:sp>
+      <p:sp>
+        <p:nvSpPr>
+          <p:cNvPr id="6" name="文本框 5">
+            <a:extLst>
+              <a:ext uri="{FF2B5EF4-FFF2-40B4-BE49-F238E27FC236}">
+                <a16:creationId xmlns:a16="http://schemas.microsoft.com/office/drawing/2014/main" id="{6E2669C8-0152-A4DC-8D4F-48F3CBE0A629}"/>
+              </a:ext>
+            </a:extLst>
+          </p:cNvPr>
+          <p:cNvSpPr txBox="1"/>
+          <p:nvPr/>
+        </p:nvSpPr>
+        <p:spPr>
+          <a:xfrm>
+            <a:off x="479376" y="1772816"/>
+            <a:ext cx="10945216" cy="1200329"/>
+          </a:xfrm>
+          <a:prstGeom prst="rect">
+            <a:avLst/>
+          </a:prstGeom>
+          <a:noFill/>
+        </p:spPr>
+        <p:txBody>
+          <a:bodyPr wrap="square" rtlCol="0">
+            <a:spAutoFit/>
+          </a:bodyPr>
+          <a:lstStyle/>
+          <a:p>
+            <a:r>
+              <a:rPr lang="en-US" altLang="zh-CN" b="1" dirty="0"/>
+              <a:t>Potential Answer</a:t>
+            </a:r>
+            <a:r>
+              <a:rPr lang="en-US" altLang="zh-CN" dirty="0"/>
+              <a:t>: Yes, actually the former algorithm could miss some case that “some 5-stones-in-one-line just lack</a:t>
+            </a:r>
+          </a:p>
+          <a:p>
+            <a:r>
+              <a:rPr lang="en-US" altLang="zh-CN" dirty="0"/>
+              <a:t>Some stone somewhere in-between of a line while such place is filled later“. We may check the four direction-line</a:t>
+            </a:r>
+          </a:p>
+          <a:p>
+            <a:r>
+              <a:rPr lang="en-US" altLang="zh-CN" dirty="0"/>
+              <a:t>Instead, with each line including two directions. As long as some placement stretching on some line (in two opposite directions) reaches 5-stones-in-one-line, we can tell that someone wills. </a:t>
+            </a:r>
+            <a:endParaRPr lang="zh-CN" altLang="en-US" dirty="0"/>
+          </a:p>
+        </p:txBody>
+      </p:sp>
+      <p:sp>
+        <p:nvSpPr>
+          <p:cNvPr id="53" name="文本框 52">
+            <a:extLst>
+              <a:ext uri="{FF2B5EF4-FFF2-40B4-BE49-F238E27FC236}">
+                <a16:creationId xmlns:a16="http://schemas.microsoft.com/office/drawing/2014/main" id="{C10204DB-9A1C-C845-2C5E-792367967134}"/>
+              </a:ext>
+            </a:extLst>
+          </p:cNvPr>
+          <p:cNvSpPr txBox="1"/>
+          <p:nvPr/>
+        </p:nvSpPr>
+        <p:spPr>
+          <a:xfrm>
+            <a:off x="5932751" y="6325452"/>
+            <a:ext cx="5467459" cy="369332"/>
+          </a:xfrm>
+          <a:prstGeom prst="rect">
+            <a:avLst/>
+          </a:prstGeom>
+          <a:noFill/>
+        </p:spPr>
+        <p:txBody>
+          <a:bodyPr wrap="none" rtlCol="0">
+            <a:spAutoFit/>
+          </a:bodyPr>
+          <a:lstStyle/>
+          <a:p>
+            <a:r>
+              <a:rPr lang="en-US" altLang="zh-CN" dirty="0"/>
+              <a:t>4 direction-lines (positive direction &amp; negative direction)</a:t>
+            </a:r>
+            <a:endParaRPr lang="zh-CN" altLang="en-US" dirty="0"/>
+          </a:p>
+        </p:txBody>
+      </p:sp>
+      <p:pic>
+        <p:nvPicPr>
+          <p:cNvPr id="55" name="图片 54">
+            <a:extLst>
+              <a:ext uri="{FF2B5EF4-FFF2-40B4-BE49-F238E27FC236}">
+                <a16:creationId xmlns:a16="http://schemas.microsoft.com/office/drawing/2014/main" id="{B105E7FD-6D50-9AD1-EBD1-F95619CDC7C0}"/>
+              </a:ext>
+            </a:extLst>
+          </p:cNvPr>
+          <p:cNvPicPr>
+            <a:picLocks noChangeAspect="1"/>
+          </p:cNvPicPr>
+          <p:nvPr/>
+        </p:nvPicPr>
+        <p:blipFill>
+          <a:blip r:embed="rId2"/>
+          <a:stretch>
+            <a:fillRect/>
+          </a:stretch>
+        </p:blipFill>
+        <p:spPr>
+          <a:xfrm>
+            <a:off x="1755536" y="3353400"/>
+            <a:ext cx="2526231" cy="2280966"/>
+          </a:xfrm>
+          <a:prstGeom prst="rect">
+            <a:avLst/>
+          </a:prstGeom>
+          <a:ln>
+            <a:noFill/>
+          </a:ln>
+          <a:effectLst>
+            <a:outerShdw blurRad="50800" dist="38100" dir="2700000" algn="tl" rotWithShape="0">
+              <a:prstClr val="black">
+                <a:alpha val="40000"/>
+              </a:prstClr>
+            </a:outerShdw>
+          </a:effectLst>
+        </p:spPr>
+      </p:pic>
+      <p:grpSp>
+        <p:nvGrpSpPr>
+          <p:cNvPr id="60" name="组合 59">
+            <a:extLst>
+              <a:ext uri="{FF2B5EF4-FFF2-40B4-BE49-F238E27FC236}">
+                <a16:creationId xmlns:a16="http://schemas.microsoft.com/office/drawing/2014/main" id="{7DBA5E1F-1B12-8473-6EDB-F2CC71D644D5}"/>
+              </a:ext>
+            </a:extLst>
+          </p:cNvPr>
+          <p:cNvGrpSpPr/>
+          <p:nvPr/>
+        </p:nvGrpSpPr>
+        <p:grpSpPr>
+          <a:xfrm>
+            <a:off x="7102421" y="2759778"/>
+            <a:ext cx="3096345" cy="3743190"/>
+            <a:chOff x="6384033" y="1988018"/>
+            <a:chExt cx="3960440" cy="4787800"/>
+          </a:xfrm>
+        </p:grpSpPr>
+        <p:sp>
+          <p:nvSpPr>
+            <p:cNvPr id="28" name="箭头: 下 27">
+              <a:extLst>
+                <a:ext uri="{FF2B5EF4-FFF2-40B4-BE49-F238E27FC236}">
+                  <a16:creationId xmlns:a16="http://schemas.microsoft.com/office/drawing/2014/main" id="{411BB23F-FF1E-5B84-6FBB-17357E0F2D86}"/>
+                </a:ext>
+              </a:extLst>
+            </p:cNvPr>
+            <p:cNvSpPr/>
+            <p:nvPr/>
+          </p:nvSpPr>
+          <p:spPr>
+            <a:xfrm rot="10800000">
+              <a:off x="8359103" y="4115119"/>
+              <a:ext cx="144016" cy="222719"/>
+            </a:xfrm>
+            <a:prstGeom prst="downArrow">
+              <a:avLst/>
+            </a:prstGeom>
+            <a:solidFill>
+              <a:srgbClr val="FF0000"/>
+            </a:solidFill>
+            <a:ln>
+              <a:solidFill>
+                <a:srgbClr val="C00000"/>
+              </a:solidFill>
+            </a:ln>
+          </p:spPr>
+          <p:style>
+            <a:lnRef idx="2">
+              <a:schemeClr val="accent1">
+                <a:shade val="15000"/>
+              </a:schemeClr>
+            </a:lnRef>
+            <a:fillRef idx="1">
+              <a:schemeClr val="accent1"/>
+            </a:fillRef>
+            <a:effectRef idx="0">
+              <a:schemeClr val="accent1"/>
+            </a:effectRef>
+            <a:fontRef idx="minor">
+              <a:schemeClr val="lt1"/>
+            </a:fontRef>
+          </p:style>
+          <p:txBody>
+            <a:bodyPr rtlCol="0" anchor="ctr"/>
+            <a:lstStyle/>
+            <a:p>
+              <a:pPr algn="ctr"/>
+              <a:endParaRPr lang="zh-CN" altLang="en-US"/>
+            </a:p>
+          </p:txBody>
+        </p:sp>
+        <p:sp>
+          <p:nvSpPr>
+            <p:cNvPr id="29" name="箭头: 下 28">
+              <a:extLst>
+                <a:ext uri="{FF2B5EF4-FFF2-40B4-BE49-F238E27FC236}">
+                  <a16:creationId xmlns:a16="http://schemas.microsoft.com/office/drawing/2014/main" id="{76FA8567-4F2A-1F69-2901-E99BF36C03A2}"/>
+                </a:ext>
+              </a:extLst>
+            </p:cNvPr>
+            <p:cNvSpPr/>
+            <p:nvPr/>
+          </p:nvSpPr>
+          <p:spPr>
+            <a:xfrm>
+              <a:off x="8359103" y="4575955"/>
+              <a:ext cx="144016" cy="222719"/>
+            </a:xfrm>
+            <a:prstGeom prst="downArrow">
+              <a:avLst/>
+            </a:prstGeom>
+            <a:solidFill>
+              <a:srgbClr val="FF0000"/>
+            </a:solidFill>
+            <a:ln>
+              <a:solidFill>
+                <a:srgbClr val="C00000"/>
+              </a:solidFill>
+            </a:ln>
+          </p:spPr>
+          <p:style>
+            <a:lnRef idx="2">
+              <a:schemeClr val="accent1">
+                <a:shade val="15000"/>
+              </a:schemeClr>
+            </a:lnRef>
+            <a:fillRef idx="1">
+              <a:schemeClr val="accent1"/>
+            </a:fillRef>
+            <a:effectRef idx="0">
+              <a:schemeClr val="accent1"/>
+            </a:effectRef>
+            <a:fontRef idx="minor">
+              <a:schemeClr val="lt1"/>
+            </a:fontRef>
+          </p:style>
+          <p:txBody>
+            <a:bodyPr rtlCol="0" anchor="ctr"/>
+            <a:lstStyle/>
+            <a:p>
+              <a:pPr algn="ctr"/>
+              <a:endParaRPr lang="zh-CN" altLang="en-US"/>
+            </a:p>
+          </p:txBody>
+        </p:sp>
+        <p:sp>
+          <p:nvSpPr>
+            <p:cNvPr id="30" name="箭头: 下 29">
+              <a:extLst>
+                <a:ext uri="{FF2B5EF4-FFF2-40B4-BE49-F238E27FC236}">
+                  <a16:creationId xmlns:a16="http://schemas.microsoft.com/office/drawing/2014/main" id="{22A6FACA-0C9D-29B2-0D60-A03D6808CB74}"/>
+                </a:ext>
+              </a:extLst>
+            </p:cNvPr>
+            <p:cNvSpPr/>
+            <p:nvPr/>
+          </p:nvSpPr>
+          <p:spPr>
+            <a:xfrm rot="5400000">
+              <a:off x="8084511" y="4349587"/>
+              <a:ext cx="144016" cy="222719"/>
+            </a:xfrm>
+            <a:prstGeom prst="downArrow">
+              <a:avLst/>
+            </a:prstGeom>
+            <a:solidFill>
+              <a:srgbClr val="FF0000"/>
+            </a:solidFill>
+            <a:ln>
+              <a:solidFill>
+                <a:srgbClr val="C00000"/>
+              </a:solidFill>
+            </a:ln>
+          </p:spPr>
+          <p:style>
+            <a:lnRef idx="2">
+              <a:schemeClr val="accent1">
+                <a:shade val="15000"/>
+              </a:schemeClr>
+            </a:lnRef>
+            <a:fillRef idx="1">
+              <a:schemeClr val="accent1"/>
+            </a:fillRef>
+            <a:effectRef idx="0">
+              <a:schemeClr val="accent1"/>
+            </a:effectRef>
+            <a:fontRef idx="minor">
+              <a:schemeClr val="lt1"/>
+            </a:fontRef>
+          </p:style>
+          <p:txBody>
+            <a:bodyPr rtlCol="0" anchor="ctr"/>
+            <a:lstStyle/>
+            <a:p>
+              <a:pPr algn="ctr"/>
+              <a:endParaRPr lang="zh-CN" altLang="en-US"/>
+            </a:p>
+          </p:txBody>
+        </p:sp>
+        <p:sp>
+          <p:nvSpPr>
+            <p:cNvPr id="31" name="箭头: 下 30">
+              <a:extLst>
+                <a:ext uri="{FF2B5EF4-FFF2-40B4-BE49-F238E27FC236}">
+                  <a16:creationId xmlns:a16="http://schemas.microsoft.com/office/drawing/2014/main" id="{51FF199C-3D34-A803-622C-654D3FF2629C}"/>
+                </a:ext>
+              </a:extLst>
+            </p:cNvPr>
+            <p:cNvSpPr/>
+            <p:nvPr/>
+          </p:nvSpPr>
+          <p:spPr>
+            <a:xfrm rot="16200000">
+              <a:off x="8604645" y="4346491"/>
+              <a:ext cx="144016" cy="222719"/>
+            </a:xfrm>
+            <a:prstGeom prst="downArrow">
+              <a:avLst/>
+            </a:prstGeom>
+            <a:solidFill>
+              <a:srgbClr val="FF0000"/>
+            </a:solidFill>
+            <a:ln>
+              <a:solidFill>
+                <a:srgbClr val="C00000"/>
+              </a:solidFill>
+            </a:ln>
+          </p:spPr>
+          <p:style>
+            <a:lnRef idx="2">
+              <a:schemeClr val="accent1">
+                <a:shade val="15000"/>
+              </a:schemeClr>
+            </a:lnRef>
+            <a:fillRef idx="1">
+              <a:schemeClr val="accent1"/>
+            </a:fillRef>
+            <a:effectRef idx="0">
+              <a:schemeClr val="accent1"/>
+            </a:effectRef>
+            <a:fontRef idx="minor">
+              <a:schemeClr val="lt1"/>
+            </a:fontRef>
+          </p:style>
+          <p:txBody>
+            <a:bodyPr rtlCol="0" anchor="ctr"/>
+            <a:lstStyle/>
+            <a:p>
+              <a:pPr algn="ctr"/>
+              <a:endParaRPr lang="zh-CN" altLang="en-US"/>
+            </a:p>
+          </p:txBody>
+        </p:sp>
+        <p:sp>
+          <p:nvSpPr>
+            <p:cNvPr id="32" name="箭头: 下 31">
+              <a:extLst>
+                <a:ext uri="{FF2B5EF4-FFF2-40B4-BE49-F238E27FC236}">
+                  <a16:creationId xmlns:a16="http://schemas.microsoft.com/office/drawing/2014/main" id="{F8654578-302A-CE4E-6921-32176B807925}"/>
+                </a:ext>
+              </a:extLst>
+            </p:cNvPr>
+            <p:cNvSpPr/>
+            <p:nvPr/>
+          </p:nvSpPr>
+          <p:spPr>
+            <a:xfrm rot="13580819">
+              <a:off x="8578587" y="4132730"/>
+              <a:ext cx="144016" cy="222719"/>
+            </a:xfrm>
+            <a:prstGeom prst="downArrow">
+              <a:avLst/>
+            </a:prstGeom>
+            <a:solidFill>
+              <a:srgbClr val="FF0000"/>
+            </a:solidFill>
+            <a:ln>
+              <a:solidFill>
+                <a:srgbClr val="C00000"/>
+              </a:solidFill>
+            </a:ln>
+          </p:spPr>
+          <p:style>
+            <a:lnRef idx="2">
+              <a:schemeClr val="accent1">
+                <a:shade val="15000"/>
+              </a:schemeClr>
+            </a:lnRef>
+            <a:fillRef idx="1">
+              <a:schemeClr val="accent1"/>
+            </a:fillRef>
+            <a:effectRef idx="0">
+              <a:schemeClr val="accent1"/>
+            </a:effectRef>
+            <a:fontRef idx="minor">
+              <a:schemeClr val="lt1"/>
+            </a:fontRef>
+          </p:style>
+          <p:txBody>
+            <a:bodyPr rtlCol="0" anchor="ctr"/>
+            <a:lstStyle/>
+            <a:p>
+              <a:pPr algn="ctr"/>
+              <a:endParaRPr lang="zh-CN" altLang="en-US"/>
+            </a:p>
+          </p:txBody>
+        </p:sp>
+        <p:sp>
+          <p:nvSpPr>
+            <p:cNvPr id="33" name="箭头: 下 32">
+              <a:extLst>
+                <a:ext uri="{FF2B5EF4-FFF2-40B4-BE49-F238E27FC236}">
+                  <a16:creationId xmlns:a16="http://schemas.microsoft.com/office/drawing/2014/main" id="{C2945729-554E-72AC-D542-F369AA3E4ADC}"/>
+                </a:ext>
+              </a:extLst>
+            </p:cNvPr>
+            <p:cNvSpPr/>
+            <p:nvPr/>
+          </p:nvSpPr>
+          <p:spPr>
+            <a:xfrm rot="7578087">
+              <a:off x="8139562" y="4132729"/>
+              <a:ext cx="144016" cy="222719"/>
+            </a:xfrm>
+            <a:prstGeom prst="downArrow">
+              <a:avLst/>
+            </a:prstGeom>
+            <a:solidFill>
+              <a:srgbClr val="FF0000"/>
+            </a:solidFill>
+            <a:ln>
+              <a:solidFill>
+                <a:srgbClr val="C00000"/>
+              </a:solidFill>
+            </a:ln>
+          </p:spPr>
+          <p:style>
+            <a:lnRef idx="2">
+              <a:schemeClr val="accent1">
+                <a:shade val="15000"/>
+              </a:schemeClr>
+            </a:lnRef>
+            <a:fillRef idx="1">
+              <a:schemeClr val="accent1"/>
+            </a:fillRef>
+            <a:effectRef idx="0">
+              <a:schemeClr val="accent1"/>
+            </a:effectRef>
+            <a:fontRef idx="minor">
+              <a:schemeClr val="lt1"/>
+            </a:fontRef>
+          </p:style>
+          <p:txBody>
+            <a:bodyPr rtlCol="0" anchor="ctr"/>
+            <a:lstStyle/>
+            <a:p>
+              <a:pPr algn="ctr"/>
+              <a:endParaRPr lang="zh-CN" altLang="en-US"/>
+            </a:p>
+          </p:txBody>
+        </p:sp>
+        <p:sp>
+          <p:nvSpPr>
+            <p:cNvPr id="34" name="箭头: 下 33">
+              <a:extLst>
+                <a:ext uri="{FF2B5EF4-FFF2-40B4-BE49-F238E27FC236}">
+                  <a16:creationId xmlns:a16="http://schemas.microsoft.com/office/drawing/2014/main" id="{37806DCC-31D1-17E9-ACEE-458D622E5E8E}"/>
+                </a:ext>
+              </a:extLst>
+            </p:cNvPr>
+            <p:cNvSpPr/>
+            <p:nvPr/>
+          </p:nvSpPr>
+          <p:spPr>
+            <a:xfrm rot="2999689">
+              <a:off x="8136131" y="4554852"/>
+              <a:ext cx="144016" cy="222719"/>
+            </a:xfrm>
+            <a:prstGeom prst="downArrow">
+              <a:avLst/>
+            </a:prstGeom>
+            <a:solidFill>
+              <a:srgbClr val="FF0000"/>
+            </a:solidFill>
+            <a:ln>
+              <a:solidFill>
+                <a:srgbClr val="C00000"/>
+              </a:solidFill>
+            </a:ln>
+          </p:spPr>
+          <p:style>
+            <a:lnRef idx="2">
+              <a:schemeClr val="accent1">
+                <a:shade val="15000"/>
+              </a:schemeClr>
+            </a:lnRef>
+            <a:fillRef idx="1">
+              <a:schemeClr val="accent1"/>
+            </a:fillRef>
+            <a:effectRef idx="0">
+              <a:schemeClr val="accent1"/>
+            </a:effectRef>
+            <a:fontRef idx="minor">
+              <a:schemeClr val="lt1"/>
+            </a:fontRef>
+          </p:style>
+          <p:txBody>
+            <a:bodyPr rtlCol="0" anchor="ctr"/>
+            <a:lstStyle/>
+            <a:p>
+              <a:pPr algn="ctr"/>
+              <a:endParaRPr lang="zh-CN" altLang="en-US"/>
+            </a:p>
+          </p:txBody>
+        </p:sp>
+        <p:sp>
+          <p:nvSpPr>
+            <p:cNvPr id="35" name="箭头: 下 34">
+              <a:extLst>
+                <a:ext uri="{FF2B5EF4-FFF2-40B4-BE49-F238E27FC236}">
+                  <a16:creationId xmlns:a16="http://schemas.microsoft.com/office/drawing/2014/main" id="{FA57FF5D-52D4-B72A-959C-BC9A594AF9A2}"/>
+                </a:ext>
+              </a:extLst>
+            </p:cNvPr>
+            <p:cNvSpPr/>
+            <p:nvPr/>
+          </p:nvSpPr>
+          <p:spPr>
+            <a:xfrm rot="18639172">
+              <a:off x="8590982" y="4562524"/>
+              <a:ext cx="144016" cy="222719"/>
+            </a:xfrm>
+            <a:prstGeom prst="downArrow">
+              <a:avLst/>
+            </a:prstGeom>
+            <a:solidFill>
+              <a:srgbClr val="FF0000"/>
+            </a:solidFill>
+            <a:ln>
+              <a:solidFill>
+                <a:srgbClr val="C00000"/>
+              </a:solidFill>
+            </a:ln>
+          </p:spPr>
+          <p:style>
+            <a:lnRef idx="2">
+              <a:schemeClr val="accent1">
+                <a:shade val="15000"/>
+              </a:schemeClr>
+            </a:lnRef>
+            <a:fillRef idx="1">
+              <a:schemeClr val="accent1"/>
+            </a:fillRef>
+            <a:effectRef idx="0">
+              <a:schemeClr val="accent1"/>
+            </a:effectRef>
+            <a:fontRef idx="minor">
+              <a:schemeClr val="lt1"/>
+            </a:fontRef>
+          </p:style>
+          <p:txBody>
+            <a:bodyPr rtlCol="0" anchor="ctr"/>
+            <a:lstStyle/>
+            <a:p>
+              <a:pPr algn="ctr"/>
+              <a:endParaRPr lang="zh-CN" altLang="en-US"/>
+            </a:p>
+          </p:txBody>
+        </p:sp>
+        <p:grpSp>
+          <p:nvGrpSpPr>
+            <p:cNvPr id="45" name="组合 44">
+              <a:extLst>
+                <a:ext uri="{FF2B5EF4-FFF2-40B4-BE49-F238E27FC236}">
+                  <a16:creationId xmlns:a16="http://schemas.microsoft.com/office/drawing/2014/main" id="{621DE007-7D75-8E3D-6C35-A488FA6BDD7A}"/>
+                </a:ext>
+              </a:extLst>
+            </p:cNvPr>
+            <p:cNvGrpSpPr/>
+            <p:nvPr/>
+          </p:nvGrpSpPr>
+          <p:grpSpPr>
+            <a:xfrm>
+              <a:off x="8868540" y="2856856"/>
+              <a:ext cx="1054521" cy="991216"/>
+              <a:chOff x="3503712" y="3284984"/>
+              <a:chExt cx="1054521" cy="991216"/>
+            </a:xfrm>
+          </p:grpSpPr>
+          <p:grpSp>
+            <p:nvGrpSpPr>
+              <p:cNvPr id="4" name="组合 3">
+                <a:extLst>
+                  <a:ext uri="{FF2B5EF4-FFF2-40B4-BE49-F238E27FC236}">
+                    <a16:creationId xmlns:a16="http://schemas.microsoft.com/office/drawing/2014/main" id="{76E08BAE-4443-E6AB-42DC-AF987A850568}"/>
+                  </a:ext>
+                </a:extLst>
+              </p:cNvPr>
+              <p:cNvGrpSpPr/>
+              <p:nvPr/>
+            </p:nvGrpSpPr>
+            <p:grpSpPr>
+              <a:xfrm>
+                <a:off x="3503712" y="3284984"/>
+                <a:ext cx="1054521" cy="991216"/>
+                <a:chOff x="1317988" y="4005064"/>
+                <a:chExt cx="2144992" cy="2016224"/>
+              </a:xfrm>
+              <a:effectLst>
+                <a:outerShdw blurRad="50800" dist="38100" dir="2700000" algn="tl" rotWithShape="0">
+                  <a:prstClr val="black">
+                    <a:alpha val="40000"/>
+                  </a:prstClr>
+                </a:outerShdw>
+              </a:effectLst>
+            </p:grpSpPr>
+            <p:pic>
+              <p:nvPicPr>
+                <p:cNvPr id="1048611" name="图片 1048610">
+                  <a:extLst>
+                    <a:ext uri="{FF2B5EF4-FFF2-40B4-BE49-F238E27FC236}">
+                      <a16:creationId xmlns:a16="http://schemas.microsoft.com/office/drawing/2014/main" id="{61885A32-7263-3C15-9368-E30CC270D0FE}"/>
+                    </a:ext>
+                  </a:extLst>
+                </p:cNvPr>
+                <p:cNvPicPr>
+                  <a:picLocks noChangeAspect="1"/>
+                </p:cNvPicPr>
+                <p:nvPr/>
+              </p:nvPicPr>
+              <p:blipFill>
+                <a:blip r:embed="rId3"/>
+                <a:stretch>
+                  <a:fillRect/>
+                </a:stretch>
+              </p:blipFill>
+              <p:spPr>
+                <a:xfrm>
+                  <a:off x="1487488" y="4005064"/>
+                  <a:ext cx="1975492" cy="2016224"/>
+                </a:xfrm>
+                <a:prstGeom prst="rect">
+                  <a:avLst/>
+                </a:prstGeom>
+              </p:spPr>
+            </p:pic>
+            <p:sp>
+              <p:nvSpPr>
+                <p:cNvPr id="3" name="矩形 2">
+                  <a:extLst>
+                    <a:ext uri="{FF2B5EF4-FFF2-40B4-BE49-F238E27FC236}">
+                      <a16:creationId xmlns:a16="http://schemas.microsoft.com/office/drawing/2014/main" id="{BF1DDC6E-3795-D548-3FDF-03D4822948A1}"/>
+                    </a:ext>
+                  </a:extLst>
+                </p:cNvPr>
+                <p:cNvSpPr/>
+                <p:nvPr/>
+              </p:nvSpPr>
+              <p:spPr>
+                <a:xfrm rot="8200477">
+                  <a:off x="1317988" y="4670985"/>
+                  <a:ext cx="2075567" cy="338636"/>
+                </a:xfrm>
+                <a:prstGeom prst="rect">
+                  <a:avLst/>
+                </a:prstGeom>
+                <a:noFill/>
+                <a:ln w="28575">
+                  <a:solidFill>
+                    <a:srgbClr val="FF0000"/>
+                  </a:solidFill>
+                </a:ln>
+              </p:spPr>
+              <p:style>
+                <a:lnRef idx="2">
+                  <a:schemeClr val="accent1">
+                    <a:shade val="15000"/>
+                  </a:schemeClr>
+                </a:lnRef>
+                <a:fillRef idx="1">
+                  <a:schemeClr val="accent1"/>
+                </a:fillRef>
+                <a:effectRef idx="0">
+                  <a:schemeClr val="accent1"/>
+                </a:effectRef>
+                <a:fontRef idx="minor">
+                  <a:schemeClr val="lt1"/>
+                </a:fontRef>
+              </p:style>
+              <p:txBody>
+                <a:bodyPr rtlCol="0" anchor="ctr"/>
+                <a:lstStyle/>
+                <a:p>
+                  <a:pPr algn="ctr"/>
+                  <a:endParaRPr lang="zh-CN" altLang="en-US"/>
+                </a:p>
+              </p:txBody>
+            </p:sp>
+          </p:grpSp>
+          <p:sp>
+            <p:nvSpPr>
+              <p:cNvPr id="36" name="矩形 35">
+                <a:extLst>
+                  <a:ext uri="{FF2B5EF4-FFF2-40B4-BE49-F238E27FC236}">
+                    <a16:creationId xmlns:a16="http://schemas.microsoft.com/office/drawing/2014/main" id="{F96D8CC2-760E-7812-5112-575E6B666CC1}"/>
+                  </a:ext>
+                </a:extLst>
+              </p:cNvPr>
+              <p:cNvSpPr/>
+              <p:nvPr/>
+            </p:nvSpPr>
+            <p:spPr>
+              <a:xfrm>
+                <a:off x="3641376" y="3933057"/>
+                <a:ext cx="144016" cy="144015"/>
+              </a:xfrm>
+              <a:prstGeom prst="rect">
+                <a:avLst/>
+              </a:prstGeom>
+              <a:noFill/>
+              <a:ln w="19050">
+                <a:solidFill>
+                  <a:srgbClr val="00B0F0"/>
+                </a:solidFill>
+              </a:ln>
+            </p:spPr>
+            <p:style>
+              <a:lnRef idx="2">
+                <a:schemeClr val="accent1">
+                  <a:shade val="15000"/>
+                </a:schemeClr>
+              </a:lnRef>
+              <a:fillRef idx="1">
+                <a:schemeClr val="accent1"/>
+              </a:fillRef>
+              <a:effectRef idx="0">
+                <a:schemeClr val="accent1"/>
+              </a:effectRef>
+              <a:fontRef idx="minor">
+                <a:schemeClr val="lt1"/>
+              </a:fontRef>
+            </p:style>
+            <p:txBody>
+              <a:bodyPr rtlCol="0" anchor="ctr"/>
+              <a:lstStyle/>
+              <a:p>
+                <a:pPr algn="ctr"/>
+                <a:endParaRPr lang="zh-CN" altLang="en-US"/>
+              </a:p>
+            </p:txBody>
+          </p:sp>
+        </p:grpSp>
+        <p:grpSp>
+          <p:nvGrpSpPr>
+            <p:cNvPr id="44" name="组合 43">
+              <a:extLst>
+                <a:ext uri="{FF2B5EF4-FFF2-40B4-BE49-F238E27FC236}">
+                  <a16:creationId xmlns:a16="http://schemas.microsoft.com/office/drawing/2014/main" id="{1E342BD7-7B00-7414-2E05-9D626B7BBA18}"/>
+                </a:ext>
+              </a:extLst>
+            </p:cNvPr>
+            <p:cNvGrpSpPr/>
+            <p:nvPr/>
+          </p:nvGrpSpPr>
+          <p:grpSpPr>
+            <a:xfrm>
+              <a:off x="8885372" y="4115119"/>
+              <a:ext cx="1109516" cy="630001"/>
+              <a:chOff x="3520544" y="4543247"/>
+              <a:chExt cx="1109516" cy="630001"/>
+            </a:xfrm>
+          </p:grpSpPr>
+          <p:grpSp>
+            <p:nvGrpSpPr>
+              <p:cNvPr id="16" name="组合 15">
+                <a:extLst>
+                  <a:ext uri="{FF2B5EF4-FFF2-40B4-BE49-F238E27FC236}">
+                    <a16:creationId xmlns:a16="http://schemas.microsoft.com/office/drawing/2014/main" id="{32F873E3-18AC-0469-6B89-303AD2C78256}"/>
+                  </a:ext>
+                </a:extLst>
+              </p:cNvPr>
+              <p:cNvGrpSpPr/>
+              <p:nvPr/>
+            </p:nvGrpSpPr>
+            <p:grpSpPr>
+              <a:xfrm>
+                <a:off x="3520544" y="4543247"/>
+                <a:ext cx="1109516" cy="630001"/>
+                <a:chOff x="3897566" y="1980335"/>
+                <a:chExt cx="2409498" cy="1368152"/>
+              </a:xfrm>
+              <a:effectLst>
+                <a:outerShdw blurRad="50800" dist="38100" dir="2700000" algn="tl" rotWithShape="0">
+                  <a:prstClr val="black">
+                    <a:alpha val="40000"/>
+                  </a:prstClr>
+                </a:outerShdw>
+              </a:effectLst>
+            </p:grpSpPr>
+            <p:pic>
+              <p:nvPicPr>
+                <p:cNvPr id="17" name="图片 16">
+                  <a:extLst>
+                    <a:ext uri="{FF2B5EF4-FFF2-40B4-BE49-F238E27FC236}">
+                      <a16:creationId xmlns:a16="http://schemas.microsoft.com/office/drawing/2014/main" id="{E5F73154-D70D-26DD-1209-75573C74551B}"/>
+                    </a:ext>
+                  </a:extLst>
+                </p:cNvPr>
+                <p:cNvPicPr>
+                  <a:picLocks noChangeAspect="1"/>
+                </p:cNvPicPr>
+                <p:nvPr/>
+              </p:nvPicPr>
+              <p:blipFill>
+                <a:blip r:embed="rId4"/>
+                <a:stretch>
+                  <a:fillRect/>
+                </a:stretch>
+              </p:blipFill>
+              <p:spPr>
+                <a:xfrm>
+                  <a:off x="3897566" y="1980335"/>
+                  <a:ext cx="2409498" cy="1368152"/>
+                </a:xfrm>
+                <a:prstGeom prst="rect">
+                  <a:avLst/>
+                </a:prstGeom>
+              </p:spPr>
+            </p:pic>
+            <p:sp>
+              <p:nvSpPr>
+                <p:cNvPr id="18" name="矩形 17">
+                  <a:extLst>
+                    <a:ext uri="{FF2B5EF4-FFF2-40B4-BE49-F238E27FC236}">
+                      <a16:creationId xmlns:a16="http://schemas.microsoft.com/office/drawing/2014/main" id="{9AC00AAC-E034-4CA4-D116-817CEA81D127}"/>
+                    </a:ext>
+                  </a:extLst>
+                </p:cNvPr>
+                <p:cNvSpPr/>
+                <p:nvPr/>
+              </p:nvSpPr>
+              <p:spPr>
+                <a:xfrm>
+                  <a:off x="4320432" y="2644989"/>
+                  <a:ext cx="1728192" cy="340618"/>
+                </a:xfrm>
+                <a:prstGeom prst="rect">
+                  <a:avLst/>
+                </a:prstGeom>
+                <a:noFill/>
+                <a:ln w="28575">
+                  <a:solidFill>
+                    <a:srgbClr val="FF0000"/>
+                  </a:solidFill>
+                </a:ln>
+              </p:spPr>
+              <p:style>
+                <a:lnRef idx="2">
+                  <a:schemeClr val="accent1">
+                    <a:shade val="15000"/>
+                  </a:schemeClr>
+                </a:lnRef>
+                <a:fillRef idx="1">
+                  <a:schemeClr val="accent1"/>
+                </a:fillRef>
+                <a:effectRef idx="0">
+                  <a:schemeClr val="accent1"/>
+                </a:effectRef>
+                <a:fontRef idx="minor">
+                  <a:schemeClr val="lt1"/>
+                </a:fontRef>
+              </p:style>
+              <p:txBody>
+                <a:bodyPr rtlCol="0" anchor="ctr"/>
+                <a:lstStyle/>
+                <a:p>
+                  <a:pPr algn="ctr"/>
+                  <a:endParaRPr lang="zh-CN" altLang="en-US"/>
+                </a:p>
+              </p:txBody>
+            </p:sp>
+          </p:grpSp>
+          <p:sp>
+            <p:nvSpPr>
+              <p:cNvPr id="37" name="矩形 36">
+                <a:extLst>
+                  <a:ext uri="{FF2B5EF4-FFF2-40B4-BE49-F238E27FC236}">
+                    <a16:creationId xmlns:a16="http://schemas.microsoft.com/office/drawing/2014/main" id="{5CF5B191-7F1D-D730-8389-983F9F97C996}"/>
+                  </a:ext>
+                </a:extLst>
+              </p:cNvPr>
+              <p:cNvSpPr/>
+              <p:nvPr/>
+            </p:nvSpPr>
+            <p:spPr>
+              <a:xfrm>
+                <a:off x="3730852" y="4852265"/>
+                <a:ext cx="144016" cy="144015"/>
+              </a:xfrm>
+              <a:prstGeom prst="rect">
+                <a:avLst/>
+              </a:prstGeom>
+              <a:noFill/>
+              <a:ln w="19050">
+                <a:solidFill>
+                  <a:srgbClr val="00B0F0"/>
+                </a:solidFill>
+              </a:ln>
+            </p:spPr>
+            <p:style>
+              <a:lnRef idx="2">
+                <a:schemeClr val="accent1">
+                  <a:shade val="15000"/>
+                </a:schemeClr>
+              </a:lnRef>
+              <a:fillRef idx="1">
+                <a:schemeClr val="accent1"/>
+              </a:fillRef>
+              <a:effectRef idx="0">
+                <a:schemeClr val="accent1"/>
+              </a:effectRef>
+              <a:fontRef idx="minor">
+                <a:schemeClr val="lt1"/>
+              </a:fontRef>
+            </p:style>
+            <p:txBody>
+              <a:bodyPr rtlCol="0" anchor="ctr"/>
+              <a:lstStyle/>
+              <a:p>
+                <a:pPr algn="ctr"/>
+                <a:endParaRPr lang="zh-CN" altLang="en-US"/>
+              </a:p>
+            </p:txBody>
+          </p:sp>
+        </p:grpSp>
+        <p:grpSp>
+          <p:nvGrpSpPr>
+            <p:cNvPr id="51" name="组合 50">
+              <a:extLst>
+                <a:ext uri="{FF2B5EF4-FFF2-40B4-BE49-F238E27FC236}">
+                  <a16:creationId xmlns:a16="http://schemas.microsoft.com/office/drawing/2014/main" id="{B99EAF84-0192-5B2D-49EE-FB70E8D7877C}"/>
+                </a:ext>
+              </a:extLst>
+            </p:cNvPr>
+            <p:cNvGrpSpPr/>
+            <p:nvPr/>
+          </p:nvGrpSpPr>
+          <p:grpSpPr>
+            <a:xfrm>
+              <a:off x="8834448" y="4957862"/>
+              <a:ext cx="997756" cy="991216"/>
+              <a:chOff x="3469620" y="5385990"/>
+              <a:chExt cx="997756" cy="991216"/>
+            </a:xfrm>
+          </p:grpSpPr>
+          <p:grpSp>
+            <p:nvGrpSpPr>
+              <p:cNvPr id="13" name="组合 12">
+                <a:extLst>
+                  <a:ext uri="{FF2B5EF4-FFF2-40B4-BE49-F238E27FC236}">
+                    <a16:creationId xmlns:a16="http://schemas.microsoft.com/office/drawing/2014/main" id="{83D8A904-D027-B824-283D-8624011A9010}"/>
+                  </a:ext>
+                </a:extLst>
+              </p:cNvPr>
+              <p:cNvGrpSpPr/>
+              <p:nvPr/>
+            </p:nvGrpSpPr>
+            <p:grpSpPr>
+              <a:xfrm>
+                <a:off x="3469620" y="5385990"/>
+                <a:ext cx="997756" cy="991216"/>
+                <a:chOff x="3796364" y="3708527"/>
+                <a:chExt cx="2029528" cy="2016224"/>
+              </a:xfrm>
+              <a:effectLst>
+                <a:outerShdw blurRad="50800" dist="38100" dir="2700000" algn="tl" rotWithShape="0">
+                  <a:prstClr val="black">
+                    <a:alpha val="40000"/>
+                  </a:prstClr>
+                </a:outerShdw>
+              </a:effectLst>
+            </p:grpSpPr>
+            <p:pic>
+              <p:nvPicPr>
+                <p:cNvPr id="9" name="图片 8">
+                  <a:extLst>
+                    <a:ext uri="{FF2B5EF4-FFF2-40B4-BE49-F238E27FC236}">
+                      <a16:creationId xmlns:a16="http://schemas.microsoft.com/office/drawing/2014/main" id="{4CDD7122-1E53-32DD-7C20-8D5295F15077}"/>
+                    </a:ext>
+                  </a:extLst>
+                </p:cNvPr>
+                <p:cNvPicPr>
+                  <a:picLocks noChangeAspect="1"/>
+                </p:cNvPicPr>
+                <p:nvPr/>
+              </p:nvPicPr>
+              <p:blipFill>
+                <a:blip r:embed="rId5"/>
+                <a:stretch>
+                  <a:fillRect/>
+                </a:stretch>
+              </p:blipFill>
+              <p:spPr>
+                <a:xfrm>
+                  <a:off x="3915785" y="3708527"/>
+                  <a:ext cx="1910107" cy="2016224"/>
+                </a:xfrm>
+                <a:prstGeom prst="rect">
+                  <a:avLst/>
+                </a:prstGeom>
+              </p:spPr>
+            </p:pic>
+            <p:sp>
+              <p:nvSpPr>
+                <p:cNvPr id="10" name="矩形 9">
+                  <a:extLst>
+                    <a:ext uri="{FF2B5EF4-FFF2-40B4-BE49-F238E27FC236}">
+                      <a16:creationId xmlns:a16="http://schemas.microsoft.com/office/drawing/2014/main" id="{34045E8C-4C3F-6F30-FE70-E28B9DD5759D}"/>
+                    </a:ext>
+                  </a:extLst>
+                </p:cNvPr>
+                <p:cNvSpPr/>
+                <p:nvPr/>
+              </p:nvSpPr>
+              <p:spPr>
+                <a:xfrm rot="2641072">
+                  <a:off x="3796364" y="4657248"/>
+                  <a:ext cx="1972671" cy="302168"/>
+                </a:xfrm>
+                <a:prstGeom prst="rect">
+                  <a:avLst/>
+                </a:prstGeom>
+                <a:noFill/>
+                <a:ln w="28575">
+                  <a:solidFill>
+                    <a:srgbClr val="FF0000"/>
+                  </a:solidFill>
+                </a:ln>
+              </p:spPr>
+              <p:style>
+                <a:lnRef idx="2">
+                  <a:schemeClr val="accent1">
+                    <a:shade val="15000"/>
+                  </a:schemeClr>
+                </a:lnRef>
+                <a:fillRef idx="1">
+                  <a:schemeClr val="accent1"/>
+                </a:fillRef>
+                <a:effectRef idx="0">
+                  <a:schemeClr val="accent1"/>
+                </a:effectRef>
+                <a:fontRef idx="minor">
+                  <a:schemeClr val="lt1"/>
+                </a:fontRef>
+              </p:style>
+              <p:txBody>
+                <a:bodyPr rtlCol="0" anchor="ctr"/>
+                <a:lstStyle/>
+                <a:p>
+                  <a:pPr algn="ctr"/>
+                  <a:endParaRPr lang="zh-CN" altLang="en-US"/>
+                </a:p>
+              </p:txBody>
+            </p:sp>
+          </p:grpSp>
+          <p:sp>
+            <p:nvSpPr>
+              <p:cNvPr id="38" name="矩形 37">
+                <a:extLst>
+                  <a:ext uri="{FF2B5EF4-FFF2-40B4-BE49-F238E27FC236}">
+                    <a16:creationId xmlns:a16="http://schemas.microsoft.com/office/drawing/2014/main" id="{03D8A46F-B934-BCC1-F284-8C92EB09A351}"/>
+                  </a:ext>
+                </a:extLst>
+              </p:cNvPr>
+              <p:cNvSpPr/>
+              <p:nvPr/>
+            </p:nvSpPr>
+            <p:spPr>
+              <a:xfrm>
+                <a:off x="3597099" y="5575166"/>
+                <a:ext cx="144016" cy="144015"/>
+              </a:xfrm>
+              <a:prstGeom prst="rect">
+                <a:avLst/>
+              </a:prstGeom>
+              <a:noFill/>
+              <a:ln w="19050">
+                <a:solidFill>
+                  <a:srgbClr val="00B0F0"/>
+                </a:solidFill>
+              </a:ln>
+            </p:spPr>
+            <p:style>
+              <a:lnRef idx="2">
+                <a:schemeClr val="accent1">
+                  <a:shade val="15000"/>
+                </a:schemeClr>
+              </a:lnRef>
+              <a:fillRef idx="1">
+                <a:schemeClr val="accent1"/>
+              </a:fillRef>
+              <a:effectRef idx="0">
+                <a:schemeClr val="accent1"/>
+              </a:effectRef>
+              <a:fontRef idx="minor">
+                <a:schemeClr val="lt1"/>
+              </a:fontRef>
+            </p:style>
+            <p:txBody>
+              <a:bodyPr rtlCol="0" anchor="ctr"/>
+              <a:lstStyle/>
+              <a:p>
+                <a:pPr algn="ctr"/>
+                <a:endParaRPr lang="zh-CN" altLang="en-US"/>
+              </a:p>
+            </p:txBody>
+          </p:sp>
+        </p:grpSp>
+        <p:grpSp>
+          <p:nvGrpSpPr>
+            <p:cNvPr id="50" name="组合 49">
+              <a:extLst>
+                <a:ext uri="{FF2B5EF4-FFF2-40B4-BE49-F238E27FC236}">
+                  <a16:creationId xmlns:a16="http://schemas.microsoft.com/office/drawing/2014/main" id="{93510039-617B-84BA-92CE-3ED60A166313}"/>
+                </a:ext>
+              </a:extLst>
+            </p:cNvPr>
+            <p:cNvGrpSpPr/>
+            <p:nvPr/>
+          </p:nvGrpSpPr>
+          <p:grpSpPr>
+            <a:xfrm>
+              <a:off x="8148460" y="4957861"/>
+              <a:ext cx="555510" cy="997811"/>
+              <a:chOff x="2783632" y="5385989"/>
+              <a:chExt cx="555510" cy="997811"/>
+            </a:xfrm>
+          </p:grpSpPr>
+          <p:grpSp>
+            <p:nvGrpSpPr>
+              <p:cNvPr id="15" name="组合 14">
+                <a:extLst>
+                  <a:ext uri="{FF2B5EF4-FFF2-40B4-BE49-F238E27FC236}">
+                    <a16:creationId xmlns:a16="http://schemas.microsoft.com/office/drawing/2014/main" id="{DC040258-9447-A66D-EA78-EF5E5B478FB4}"/>
+                  </a:ext>
+                </a:extLst>
+              </p:cNvPr>
+              <p:cNvGrpSpPr/>
+              <p:nvPr/>
+            </p:nvGrpSpPr>
+            <p:grpSpPr>
+              <a:xfrm>
+                <a:off x="2783632" y="5385989"/>
+                <a:ext cx="555510" cy="997811"/>
+                <a:chOff x="6729930" y="1980335"/>
+                <a:chExt cx="1355246" cy="2434304"/>
+              </a:xfrm>
+              <a:effectLst>
+                <a:outerShdw blurRad="50800" dist="38100" dir="2700000" algn="tl" rotWithShape="0">
+                  <a:prstClr val="black">
+                    <a:alpha val="40000"/>
+                  </a:prstClr>
+                </a:outerShdw>
+              </a:effectLst>
+            </p:grpSpPr>
+            <p:pic>
+              <p:nvPicPr>
+                <p:cNvPr id="11" name="图片 10">
+                  <a:extLst>
+                    <a:ext uri="{FF2B5EF4-FFF2-40B4-BE49-F238E27FC236}">
+                      <a16:creationId xmlns:a16="http://schemas.microsoft.com/office/drawing/2014/main" id="{C01ED09D-C40D-EE5B-802C-77D65C0A0A58}"/>
+                    </a:ext>
+                  </a:extLst>
+                </p:cNvPr>
+                <p:cNvPicPr>
+                  <a:picLocks noChangeAspect="1"/>
+                </p:cNvPicPr>
+                <p:nvPr/>
+              </p:nvPicPr>
+              <p:blipFill>
+                <a:blip r:embed="rId6"/>
+                <a:stretch>
+                  <a:fillRect/>
+                </a:stretch>
+              </p:blipFill>
+              <p:spPr>
+                <a:xfrm>
+                  <a:off x="6729930" y="1980335"/>
+                  <a:ext cx="1355246" cy="2434304"/>
+                </a:xfrm>
+                <a:prstGeom prst="rect">
+                  <a:avLst/>
+                </a:prstGeom>
+              </p:spPr>
+            </p:pic>
+            <p:sp>
+              <p:nvSpPr>
+                <p:cNvPr id="12" name="矩形 11">
+                  <a:extLst>
+                    <a:ext uri="{FF2B5EF4-FFF2-40B4-BE49-F238E27FC236}">
+                      <a16:creationId xmlns:a16="http://schemas.microsoft.com/office/drawing/2014/main" id="{C831E6E0-3F7D-A618-B983-D64478BFC5C9}"/>
+                    </a:ext>
+                  </a:extLst>
+                </p:cNvPr>
+                <p:cNvSpPr/>
+                <p:nvPr/>
+              </p:nvSpPr>
+              <p:spPr>
+                <a:xfrm rot="5400000">
+                  <a:off x="6244360" y="2990614"/>
+                  <a:ext cx="1942279" cy="388456"/>
+                </a:xfrm>
+                <a:prstGeom prst="rect">
+                  <a:avLst/>
+                </a:prstGeom>
+                <a:noFill/>
+                <a:ln w="28575">
+                  <a:solidFill>
+                    <a:srgbClr val="FF0000"/>
+                  </a:solidFill>
+                </a:ln>
+              </p:spPr>
+              <p:style>
+                <a:lnRef idx="2">
+                  <a:schemeClr val="accent1">
+                    <a:shade val="15000"/>
+                  </a:schemeClr>
+                </a:lnRef>
+                <a:fillRef idx="1">
+                  <a:schemeClr val="accent1"/>
+                </a:fillRef>
+                <a:effectRef idx="0">
+                  <a:schemeClr val="accent1"/>
+                </a:effectRef>
+                <a:fontRef idx="minor">
+                  <a:schemeClr val="lt1"/>
+                </a:fontRef>
+              </p:style>
+              <p:txBody>
+                <a:bodyPr rtlCol="0" anchor="ctr"/>
+                <a:lstStyle/>
+                <a:p>
+                  <a:pPr algn="ctr"/>
+                  <a:endParaRPr lang="zh-CN" altLang="en-US"/>
+                </a:p>
+              </p:txBody>
+            </p:sp>
+          </p:grpSp>
+          <p:sp>
+            <p:nvSpPr>
+              <p:cNvPr id="39" name="矩形 38">
+                <a:extLst>
+                  <a:ext uri="{FF2B5EF4-FFF2-40B4-BE49-F238E27FC236}">
+                    <a16:creationId xmlns:a16="http://schemas.microsoft.com/office/drawing/2014/main" id="{ADEBF56F-7910-1070-F7B2-05D7C03270C2}"/>
+                  </a:ext>
+                </a:extLst>
+              </p:cNvPr>
+              <p:cNvSpPr/>
+              <p:nvPr/>
+            </p:nvSpPr>
+            <p:spPr>
+              <a:xfrm>
+                <a:off x="2910657" y="5481645"/>
+                <a:ext cx="144016" cy="144015"/>
+              </a:xfrm>
+              <a:prstGeom prst="rect">
+                <a:avLst/>
+              </a:prstGeom>
+              <a:noFill/>
+              <a:ln w="19050">
+                <a:solidFill>
+                  <a:srgbClr val="00B0F0"/>
+                </a:solidFill>
+              </a:ln>
+            </p:spPr>
+            <p:style>
+              <a:lnRef idx="2">
+                <a:schemeClr val="accent1">
+                  <a:shade val="15000"/>
+                </a:schemeClr>
+              </a:lnRef>
+              <a:fillRef idx="1">
+                <a:schemeClr val="accent1"/>
+              </a:fillRef>
+              <a:effectRef idx="0">
+                <a:schemeClr val="accent1"/>
+              </a:effectRef>
+              <a:fontRef idx="minor">
+                <a:schemeClr val="lt1"/>
+              </a:fontRef>
+            </p:style>
+            <p:txBody>
+              <a:bodyPr rtlCol="0" anchor="ctr"/>
+              <a:lstStyle/>
+              <a:p>
+                <a:pPr algn="ctr"/>
+                <a:endParaRPr lang="zh-CN" altLang="en-US"/>
+              </a:p>
+            </p:txBody>
+          </p:sp>
+        </p:grpSp>
+        <p:grpSp>
+          <p:nvGrpSpPr>
+            <p:cNvPr id="49" name="组合 48">
+              <a:extLst>
+                <a:ext uri="{FF2B5EF4-FFF2-40B4-BE49-F238E27FC236}">
+                  <a16:creationId xmlns:a16="http://schemas.microsoft.com/office/drawing/2014/main" id="{4B283E45-8198-3B48-D6CB-E370FB426582}"/>
+                </a:ext>
+              </a:extLst>
+            </p:cNvPr>
+            <p:cNvGrpSpPr/>
+            <p:nvPr/>
+          </p:nvGrpSpPr>
+          <p:grpSpPr>
+            <a:xfrm>
+              <a:off x="6862663" y="4957862"/>
+              <a:ext cx="1054521" cy="991216"/>
+              <a:chOff x="1497835" y="5385990"/>
+              <a:chExt cx="1054521" cy="991216"/>
+            </a:xfrm>
+          </p:grpSpPr>
+          <p:grpSp>
+            <p:nvGrpSpPr>
+              <p:cNvPr id="19" name="组合 18">
+                <a:extLst>
+                  <a:ext uri="{FF2B5EF4-FFF2-40B4-BE49-F238E27FC236}">
+                    <a16:creationId xmlns:a16="http://schemas.microsoft.com/office/drawing/2014/main" id="{44DDBA5B-D45F-A60D-DACA-A75F89326207}"/>
+                  </a:ext>
+                </a:extLst>
+              </p:cNvPr>
+              <p:cNvGrpSpPr/>
+              <p:nvPr/>
+            </p:nvGrpSpPr>
+            <p:grpSpPr>
+              <a:xfrm>
+                <a:off x="1497835" y="5385990"/>
+                <a:ext cx="1054521" cy="991216"/>
+                <a:chOff x="1317988" y="4005064"/>
+                <a:chExt cx="2144992" cy="2016224"/>
+              </a:xfrm>
+              <a:effectLst>
+                <a:outerShdw blurRad="50800" dist="38100" dir="2700000" algn="tl" rotWithShape="0">
+                  <a:prstClr val="black">
+                    <a:alpha val="40000"/>
+                  </a:prstClr>
+                </a:outerShdw>
+              </a:effectLst>
+            </p:grpSpPr>
+            <p:pic>
+              <p:nvPicPr>
+                <p:cNvPr id="20" name="图片 19">
+                  <a:extLst>
+                    <a:ext uri="{FF2B5EF4-FFF2-40B4-BE49-F238E27FC236}">
+                      <a16:creationId xmlns:a16="http://schemas.microsoft.com/office/drawing/2014/main" id="{0259F78E-91EC-E586-870F-5EBC375B5105}"/>
+                    </a:ext>
+                  </a:extLst>
+                </p:cNvPr>
+                <p:cNvPicPr>
+                  <a:picLocks noChangeAspect="1"/>
+                </p:cNvPicPr>
+                <p:nvPr/>
+              </p:nvPicPr>
+              <p:blipFill>
+                <a:blip r:embed="rId3"/>
+                <a:stretch>
+                  <a:fillRect/>
+                </a:stretch>
+              </p:blipFill>
+              <p:spPr>
+                <a:xfrm>
+                  <a:off x="1487488" y="4005064"/>
+                  <a:ext cx="1975492" cy="2016224"/>
+                </a:xfrm>
+                <a:prstGeom prst="rect">
+                  <a:avLst/>
+                </a:prstGeom>
+              </p:spPr>
+            </p:pic>
+            <p:sp>
+              <p:nvSpPr>
+                <p:cNvPr id="21" name="矩形 20">
+                  <a:extLst>
+                    <a:ext uri="{FF2B5EF4-FFF2-40B4-BE49-F238E27FC236}">
+                      <a16:creationId xmlns:a16="http://schemas.microsoft.com/office/drawing/2014/main" id="{A0D38610-6794-E16A-623B-D421A9FAB0F9}"/>
+                    </a:ext>
+                  </a:extLst>
+                </p:cNvPr>
+                <p:cNvSpPr/>
+                <p:nvPr/>
+              </p:nvSpPr>
+              <p:spPr>
+                <a:xfrm rot="8200477">
+                  <a:off x="1317988" y="4670985"/>
+                  <a:ext cx="2075567" cy="338636"/>
+                </a:xfrm>
+                <a:prstGeom prst="rect">
+                  <a:avLst/>
+                </a:prstGeom>
+                <a:noFill/>
+                <a:ln w="28575">
+                  <a:solidFill>
+                    <a:srgbClr val="FF0000"/>
+                  </a:solidFill>
+                </a:ln>
+              </p:spPr>
+              <p:style>
+                <a:lnRef idx="2">
+                  <a:schemeClr val="accent1">
+                    <a:shade val="15000"/>
+                  </a:schemeClr>
+                </a:lnRef>
+                <a:fillRef idx="1">
+                  <a:schemeClr val="accent1"/>
+                </a:fillRef>
+                <a:effectRef idx="0">
+                  <a:schemeClr val="accent1"/>
+                </a:effectRef>
+                <a:fontRef idx="minor">
+                  <a:schemeClr val="lt1"/>
+                </a:fontRef>
+              </p:style>
+              <p:txBody>
+                <a:bodyPr rtlCol="0" anchor="ctr"/>
+                <a:lstStyle/>
+                <a:p>
+                  <a:pPr algn="ctr"/>
+                  <a:endParaRPr lang="zh-CN" altLang="en-US"/>
+                </a:p>
+              </p:txBody>
+            </p:sp>
+          </p:grpSp>
+          <p:sp>
+            <p:nvSpPr>
+              <p:cNvPr id="40" name="矩形 39">
+                <a:extLst>
+                  <a:ext uri="{FF2B5EF4-FFF2-40B4-BE49-F238E27FC236}">
+                    <a16:creationId xmlns:a16="http://schemas.microsoft.com/office/drawing/2014/main" id="{B54D98B8-6150-7BBB-218B-C4B3A2A406B4}"/>
+                  </a:ext>
+                </a:extLst>
+              </p:cNvPr>
+              <p:cNvSpPr/>
+              <p:nvPr/>
+            </p:nvSpPr>
+            <p:spPr>
+              <a:xfrm>
+                <a:off x="2234559" y="5433226"/>
+                <a:ext cx="144016" cy="144015"/>
+              </a:xfrm>
+              <a:prstGeom prst="rect">
+                <a:avLst/>
+              </a:prstGeom>
+              <a:noFill/>
+              <a:ln w="19050">
+                <a:solidFill>
+                  <a:srgbClr val="00B0F0"/>
+                </a:solidFill>
+              </a:ln>
+            </p:spPr>
+            <p:style>
+              <a:lnRef idx="2">
+                <a:schemeClr val="accent1">
+                  <a:shade val="15000"/>
+                </a:schemeClr>
+              </a:lnRef>
+              <a:fillRef idx="1">
+                <a:schemeClr val="accent1"/>
+              </a:fillRef>
+              <a:effectRef idx="0">
+                <a:schemeClr val="accent1"/>
+              </a:effectRef>
+              <a:fontRef idx="minor">
+                <a:schemeClr val="lt1"/>
+              </a:fontRef>
+            </p:style>
+            <p:txBody>
+              <a:bodyPr rtlCol="0" anchor="ctr"/>
+              <a:lstStyle/>
+              <a:p>
+                <a:pPr algn="ctr"/>
+                <a:endParaRPr lang="zh-CN" altLang="en-US"/>
+              </a:p>
+            </p:txBody>
+          </p:sp>
+        </p:grpSp>
+        <p:grpSp>
+          <p:nvGrpSpPr>
+            <p:cNvPr id="48" name="组合 47">
+              <a:extLst>
+                <a:ext uri="{FF2B5EF4-FFF2-40B4-BE49-F238E27FC236}">
+                  <a16:creationId xmlns:a16="http://schemas.microsoft.com/office/drawing/2014/main" id="{3AF0A0ED-7590-E842-11DD-66B10D21009E}"/>
+                </a:ext>
+              </a:extLst>
+            </p:cNvPr>
+            <p:cNvGrpSpPr/>
+            <p:nvPr/>
+          </p:nvGrpSpPr>
+          <p:grpSpPr>
+            <a:xfrm>
+              <a:off x="6807867" y="4154889"/>
+              <a:ext cx="1109516" cy="630001"/>
+              <a:chOff x="1443039" y="4583017"/>
+              <a:chExt cx="1109516" cy="630001"/>
+            </a:xfrm>
+          </p:grpSpPr>
+          <p:grpSp>
+            <p:nvGrpSpPr>
+              <p:cNvPr id="14" name="组合 13">
+                <a:extLst>
+                  <a:ext uri="{FF2B5EF4-FFF2-40B4-BE49-F238E27FC236}">
+                    <a16:creationId xmlns:a16="http://schemas.microsoft.com/office/drawing/2014/main" id="{CD615EC2-7986-4C3E-4F87-4981086E4D45}"/>
+                  </a:ext>
+                </a:extLst>
+              </p:cNvPr>
+              <p:cNvGrpSpPr/>
+              <p:nvPr/>
+            </p:nvGrpSpPr>
+            <p:grpSpPr>
+              <a:xfrm>
+                <a:off x="1443039" y="4583017"/>
+                <a:ext cx="1109516" cy="630001"/>
+                <a:chOff x="3897566" y="1980335"/>
+                <a:chExt cx="2409498" cy="1368152"/>
+              </a:xfrm>
+              <a:effectLst>
+                <a:outerShdw blurRad="50800" dist="38100" dir="2700000" algn="tl" rotWithShape="0">
+                  <a:prstClr val="black">
+                    <a:alpha val="40000"/>
+                  </a:prstClr>
+                </a:outerShdw>
+              </a:effectLst>
+            </p:grpSpPr>
+            <p:pic>
+              <p:nvPicPr>
+                <p:cNvPr id="7" name="图片 6">
+                  <a:extLst>
+                    <a:ext uri="{FF2B5EF4-FFF2-40B4-BE49-F238E27FC236}">
+                      <a16:creationId xmlns:a16="http://schemas.microsoft.com/office/drawing/2014/main" id="{D89E1792-828B-D9B1-5CB8-BD82CF296093}"/>
+                    </a:ext>
+                  </a:extLst>
+                </p:cNvPr>
+                <p:cNvPicPr>
+                  <a:picLocks noChangeAspect="1"/>
+                </p:cNvPicPr>
+                <p:nvPr/>
+              </p:nvPicPr>
+              <p:blipFill>
+                <a:blip r:embed="rId4"/>
+                <a:stretch>
+                  <a:fillRect/>
+                </a:stretch>
+              </p:blipFill>
+              <p:spPr>
+                <a:xfrm>
+                  <a:off x="3897566" y="1980335"/>
+                  <a:ext cx="2409498" cy="1368152"/>
+                </a:xfrm>
+                <a:prstGeom prst="rect">
+                  <a:avLst/>
+                </a:prstGeom>
+              </p:spPr>
+            </p:pic>
+            <p:sp>
+              <p:nvSpPr>
+                <p:cNvPr id="8" name="矩形 7">
+                  <a:extLst>
+                    <a:ext uri="{FF2B5EF4-FFF2-40B4-BE49-F238E27FC236}">
+                      <a16:creationId xmlns:a16="http://schemas.microsoft.com/office/drawing/2014/main" id="{22328BA5-8FCE-7045-9528-79663ACC8332}"/>
+                    </a:ext>
+                  </a:extLst>
+                </p:cNvPr>
+                <p:cNvSpPr/>
+                <p:nvPr/>
+              </p:nvSpPr>
+              <p:spPr>
+                <a:xfrm>
+                  <a:off x="4320432" y="2644989"/>
+                  <a:ext cx="1728192" cy="340618"/>
+                </a:xfrm>
+                <a:prstGeom prst="rect">
+                  <a:avLst/>
+                </a:prstGeom>
+                <a:noFill/>
+                <a:ln w="28575">
+                  <a:solidFill>
+                    <a:srgbClr val="FF0000"/>
+                  </a:solidFill>
+                </a:ln>
+              </p:spPr>
+              <p:style>
+                <a:lnRef idx="2">
+                  <a:schemeClr val="accent1">
+                    <a:shade val="15000"/>
+                  </a:schemeClr>
+                </a:lnRef>
+                <a:fillRef idx="1">
+                  <a:schemeClr val="accent1"/>
+                </a:fillRef>
+                <a:effectRef idx="0">
+                  <a:schemeClr val="accent1"/>
+                </a:effectRef>
+                <a:fontRef idx="minor">
+                  <a:schemeClr val="lt1"/>
+                </a:fontRef>
+              </p:style>
+              <p:txBody>
+                <a:bodyPr rtlCol="0" anchor="ctr"/>
+                <a:lstStyle/>
+                <a:p>
+                  <a:pPr algn="ctr"/>
+                  <a:endParaRPr lang="zh-CN" altLang="en-US"/>
+                </a:p>
+              </p:txBody>
+            </p:sp>
+          </p:grpSp>
+          <p:sp>
+            <p:nvSpPr>
+              <p:cNvPr id="41" name="矩形 40">
+                <a:extLst>
+                  <a:ext uri="{FF2B5EF4-FFF2-40B4-BE49-F238E27FC236}">
+                    <a16:creationId xmlns:a16="http://schemas.microsoft.com/office/drawing/2014/main" id="{B5D7F6EC-C200-AC7D-DD9D-4B2858DAFB3F}"/>
+                  </a:ext>
+                </a:extLst>
+              </p:cNvPr>
+              <p:cNvSpPr/>
+              <p:nvPr/>
+            </p:nvSpPr>
+            <p:spPr>
+              <a:xfrm>
+                <a:off x="2265603" y="4895489"/>
+                <a:ext cx="144016" cy="144015"/>
+              </a:xfrm>
+              <a:prstGeom prst="rect">
+                <a:avLst/>
+              </a:prstGeom>
+              <a:noFill/>
+              <a:ln w="19050">
+                <a:solidFill>
+                  <a:srgbClr val="00B0F0"/>
+                </a:solidFill>
+              </a:ln>
+            </p:spPr>
+            <p:style>
+              <a:lnRef idx="2">
+                <a:schemeClr val="accent1">
+                  <a:shade val="15000"/>
+                </a:schemeClr>
+              </a:lnRef>
+              <a:fillRef idx="1">
+                <a:schemeClr val="accent1"/>
+              </a:fillRef>
+              <a:effectRef idx="0">
+                <a:schemeClr val="accent1"/>
+              </a:effectRef>
+              <a:fontRef idx="minor">
+                <a:schemeClr val="lt1"/>
+              </a:fontRef>
+            </p:style>
+            <p:txBody>
+              <a:bodyPr rtlCol="0" anchor="ctr"/>
+              <a:lstStyle/>
+              <a:p>
+                <a:pPr algn="ctr"/>
+                <a:endParaRPr lang="zh-CN" altLang="en-US"/>
+              </a:p>
+            </p:txBody>
+          </p:sp>
+        </p:grpSp>
+        <p:grpSp>
+          <p:nvGrpSpPr>
+            <p:cNvPr id="47" name="组合 46">
+              <a:extLst>
+                <a:ext uri="{FF2B5EF4-FFF2-40B4-BE49-F238E27FC236}">
+                  <a16:creationId xmlns:a16="http://schemas.microsoft.com/office/drawing/2014/main" id="{E033AD26-CCF3-919A-88B7-A4C160FEEE87}"/>
+                </a:ext>
+              </a:extLst>
+            </p:cNvPr>
+            <p:cNvGrpSpPr/>
+            <p:nvPr/>
+          </p:nvGrpSpPr>
+          <p:grpSpPr>
+            <a:xfrm>
+              <a:off x="6935401" y="2882183"/>
+              <a:ext cx="997756" cy="991216"/>
+              <a:chOff x="1570573" y="3310311"/>
+              <a:chExt cx="997756" cy="991216"/>
+            </a:xfrm>
+          </p:grpSpPr>
+          <p:grpSp>
+            <p:nvGrpSpPr>
+              <p:cNvPr id="25" name="组合 24">
+                <a:extLst>
+                  <a:ext uri="{FF2B5EF4-FFF2-40B4-BE49-F238E27FC236}">
+                    <a16:creationId xmlns:a16="http://schemas.microsoft.com/office/drawing/2014/main" id="{FD4D65C4-6529-6E20-BCEA-B8CAC646717C}"/>
+                  </a:ext>
+                </a:extLst>
+              </p:cNvPr>
+              <p:cNvGrpSpPr/>
+              <p:nvPr/>
+            </p:nvGrpSpPr>
+            <p:grpSpPr>
+              <a:xfrm>
+                <a:off x="1570573" y="3310311"/>
+                <a:ext cx="997756" cy="991216"/>
+                <a:chOff x="3796364" y="3708527"/>
+                <a:chExt cx="2029528" cy="2016224"/>
+              </a:xfrm>
+              <a:effectLst>
+                <a:outerShdw blurRad="50800" dist="38100" dir="2700000" algn="tl" rotWithShape="0">
+                  <a:prstClr val="black">
+                    <a:alpha val="40000"/>
+                  </a:prstClr>
+                </a:outerShdw>
+              </a:effectLst>
+            </p:grpSpPr>
+            <p:pic>
+              <p:nvPicPr>
+                <p:cNvPr id="26" name="图片 25">
+                  <a:extLst>
+                    <a:ext uri="{FF2B5EF4-FFF2-40B4-BE49-F238E27FC236}">
+                      <a16:creationId xmlns:a16="http://schemas.microsoft.com/office/drawing/2014/main" id="{54DC449F-B3DF-68C4-E2FE-1D4EA7163AB2}"/>
+                    </a:ext>
+                  </a:extLst>
+                </p:cNvPr>
+                <p:cNvPicPr>
+                  <a:picLocks noChangeAspect="1"/>
+                </p:cNvPicPr>
+                <p:nvPr/>
+              </p:nvPicPr>
+              <p:blipFill>
+                <a:blip r:embed="rId5"/>
+                <a:stretch>
+                  <a:fillRect/>
+                </a:stretch>
+              </p:blipFill>
+              <p:spPr>
+                <a:xfrm>
+                  <a:off x="3915785" y="3708527"/>
+                  <a:ext cx="1910107" cy="2016224"/>
+                </a:xfrm>
+                <a:prstGeom prst="rect">
+                  <a:avLst/>
+                </a:prstGeom>
+              </p:spPr>
+            </p:pic>
+            <p:sp>
+              <p:nvSpPr>
+                <p:cNvPr id="27" name="矩形 26">
+                  <a:extLst>
+                    <a:ext uri="{FF2B5EF4-FFF2-40B4-BE49-F238E27FC236}">
+                      <a16:creationId xmlns:a16="http://schemas.microsoft.com/office/drawing/2014/main" id="{4CB08872-A09D-F882-B220-6B5E8AA2E65C}"/>
+                    </a:ext>
+                  </a:extLst>
+                </p:cNvPr>
+                <p:cNvSpPr/>
+                <p:nvPr/>
+              </p:nvSpPr>
+              <p:spPr>
+                <a:xfrm rot="2641072">
+                  <a:off x="3796364" y="4657248"/>
+                  <a:ext cx="1972671" cy="302168"/>
+                </a:xfrm>
+                <a:prstGeom prst="rect">
+                  <a:avLst/>
+                </a:prstGeom>
+                <a:noFill/>
+                <a:ln w="28575">
+                  <a:solidFill>
+                    <a:srgbClr val="FF0000"/>
+                  </a:solidFill>
+                </a:ln>
+              </p:spPr>
+              <p:style>
+                <a:lnRef idx="2">
+                  <a:schemeClr val="accent1">
+                    <a:shade val="15000"/>
+                  </a:schemeClr>
+                </a:lnRef>
+                <a:fillRef idx="1">
+                  <a:schemeClr val="accent1"/>
+                </a:fillRef>
+                <a:effectRef idx="0">
+                  <a:schemeClr val="accent1"/>
+                </a:effectRef>
+                <a:fontRef idx="minor">
+                  <a:schemeClr val="lt1"/>
+                </a:fontRef>
+              </p:style>
+              <p:txBody>
+                <a:bodyPr rtlCol="0" anchor="ctr"/>
+                <a:lstStyle/>
+                <a:p>
+                  <a:pPr algn="ctr"/>
+                  <a:endParaRPr lang="zh-CN" altLang="en-US" dirty="0"/>
+                </a:p>
+              </p:txBody>
+            </p:sp>
+          </p:grpSp>
+          <p:sp>
+            <p:nvSpPr>
+              <p:cNvPr id="42" name="矩形 41">
+                <a:extLst>
+                  <a:ext uri="{FF2B5EF4-FFF2-40B4-BE49-F238E27FC236}">
+                    <a16:creationId xmlns:a16="http://schemas.microsoft.com/office/drawing/2014/main" id="{B9E6BEEB-9086-28E1-5629-0CA2CFA84BE0}"/>
+                  </a:ext>
+                </a:extLst>
+              </p:cNvPr>
+              <p:cNvSpPr/>
+              <p:nvPr/>
+            </p:nvSpPr>
+            <p:spPr>
+              <a:xfrm>
+                <a:off x="2265603" y="4071300"/>
+                <a:ext cx="144016" cy="144015"/>
+              </a:xfrm>
+              <a:prstGeom prst="rect">
+                <a:avLst/>
+              </a:prstGeom>
+              <a:noFill/>
+              <a:ln w="19050">
+                <a:solidFill>
+                  <a:srgbClr val="00B0F0"/>
+                </a:solidFill>
+              </a:ln>
+            </p:spPr>
+            <p:style>
+              <a:lnRef idx="2">
+                <a:schemeClr val="accent1">
+                  <a:shade val="15000"/>
+                </a:schemeClr>
+              </a:lnRef>
+              <a:fillRef idx="1">
+                <a:schemeClr val="accent1"/>
+              </a:fillRef>
+              <a:effectRef idx="0">
+                <a:schemeClr val="accent1"/>
+              </a:effectRef>
+              <a:fontRef idx="minor">
+                <a:schemeClr val="lt1"/>
+              </a:fontRef>
+            </p:style>
+            <p:txBody>
+              <a:bodyPr rtlCol="0" anchor="ctr"/>
+              <a:lstStyle/>
+              <a:p>
+                <a:pPr algn="ctr"/>
+                <a:endParaRPr lang="zh-CN" altLang="en-US"/>
+              </a:p>
+            </p:txBody>
+          </p:sp>
+        </p:grpSp>
+        <p:grpSp>
+          <p:nvGrpSpPr>
+            <p:cNvPr id="46" name="组合 45">
+              <a:extLst>
+                <a:ext uri="{FF2B5EF4-FFF2-40B4-BE49-F238E27FC236}">
+                  <a16:creationId xmlns:a16="http://schemas.microsoft.com/office/drawing/2014/main" id="{35BD68E2-3195-3828-B8E1-81FF7808AE3B}"/>
+                </a:ext>
+              </a:extLst>
+            </p:cNvPr>
+            <p:cNvGrpSpPr/>
+            <p:nvPr/>
+          </p:nvGrpSpPr>
+          <p:grpSpPr>
+            <a:xfrm>
+              <a:off x="8225364" y="2852936"/>
+              <a:ext cx="555510" cy="997811"/>
+              <a:chOff x="2860536" y="3281064"/>
+              <a:chExt cx="555510" cy="997811"/>
+            </a:xfrm>
+          </p:grpSpPr>
+          <p:grpSp>
+            <p:nvGrpSpPr>
+              <p:cNvPr id="22" name="组合 21">
+                <a:extLst>
+                  <a:ext uri="{FF2B5EF4-FFF2-40B4-BE49-F238E27FC236}">
+                    <a16:creationId xmlns:a16="http://schemas.microsoft.com/office/drawing/2014/main" id="{4F336C28-06FA-2BE4-1EAE-0E71C94B4802}"/>
+                  </a:ext>
+                </a:extLst>
+              </p:cNvPr>
+              <p:cNvGrpSpPr/>
+              <p:nvPr/>
+            </p:nvGrpSpPr>
+            <p:grpSpPr>
+              <a:xfrm>
+                <a:off x="2860536" y="3281064"/>
+                <a:ext cx="555510" cy="997811"/>
+                <a:chOff x="6729930" y="1980335"/>
+                <a:chExt cx="1355246" cy="2434304"/>
+              </a:xfrm>
+              <a:effectLst>
+                <a:outerShdw blurRad="50800" dist="38100" dir="2700000" algn="tl" rotWithShape="0">
+                  <a:prstClr val="black">
+                    <a:alpha val="40000"/>
+                  </a:prstClr>
+                </a:outerShdw>
+              </a:effectLst>
+            </p:grpSpPr>
+            <p:pic>
+              <p:nvPicPr>
+                <p:cNvPr id="23" name="图片 22">
+                  <a:extLst>
+                    <a:ext uri="{FF2B5EF4-FFF2-40B4-BE49-F238E27FC236}">
+                      <a16:creationId xmlns:a16="http://schemas.microsoft.com/office/drawing/2014/main" id="{D66C83E8-E640-B45E-C4DC-D2AC61D5BF11}"/>
+                    </a:ext>
+                  </a:extLst>
+                </p:cNvPr>
+                <p:cNvPicPr>
+                  <a:picLocks noChangeAspect="1"/>
+                </p:cNvPicPr>
+                <p:nvPr/>
+              </p:nvPicPr>
+              <p:blipFill>
+                <a:blip r:embed="rId6"/>
+                <a:stretch>
+                  <a:fillRect/>
+                </a:stretch>
+              </p:blipFill>
+              <p:spPr>
+                <a:xfrm>
+                  <a:off x="6729930" y="1980335"/>
+                  <a:ext cx="1355246" cy="2434304"/>
+                </a:xfrm>
+                <a:prstGeom prst="rect">
+                  <a:avLst/>
+                </a:prstGeom>
+              </p:spPr>
+            </p:pic>
+            <p:sp>
+              <p:nvSpPr>
+                <p:cNvPr id="24" name="矩形 23">
+                  <a:extLst>
+                    <a:ext uri="{FF2B5EF4-FFF2-40B4-BE49-F238E27FC236}">
+                      <a16:creationId xmlns:a16="http://schemas.microsoft.com/office/drawing/2014/main" id="{73FA35E0-4C62-930E-6611-2C9CA4C6B421}"/>
+                    </a:ext>
+                  </a:extLst>
+                </p:cNvPr>
+                <p:cNvSpPr/>
+                <p:nvPr/>
+              </p:nvSpPr>
+              <p:spPr>
+                <a:xfrm rot="5400000">
+                  <a:off x="6244360" y="2990614"/>
+                  <a:ext cx="1942279" cy="388456"/>
+                </a:xfrm>
+                <a:prstGeom prst="rect">
+                  <a:avLst/>
+                </a:prstGeom>
+                <a:noFill/>
+                <a:ln w="28575">
+                  <a:solidFill>
+                    <a:srgbClr val="FF0000"/>
+                  </a:solidFill>
+                </a:ln>
+              </p:spPr>
+              <p:style>
+                <a:lnRef idx="2">
+                  <a:schemeClr val="accent1">
+                    <a:shade val="15000"/>
+                  </a:schemeClr>
+                </a:lnRef>
+                <a:fillRef idx="1">
+                  <a:schemeClr val="accent1"/>
+                </a:fillRef>
+                <a:effectRef idx="0">
+                  <a:schemeClr val="accent1"/>
+                </a:effectRef>
+                <a:fontRef idx="minor">
+                  <a:schemeClr val="lt1"/>
+                </a:fontRef>
+              </p:style>
+              <p:txBody>
+                <a:bodyPr rtlCol="0" anchor="ctr"/>
+                <a:lstStyle/>
+                <a:p>
+                  <a:pPr algn="ctr"/>
+                  <a:endParaRPr lang="zh-CN" altLang="en-US"/>
+                </a:p>
+              </p:txBody>
+            </p:sp>
+          </p:grpSp>
+          <p:sp>
+            <p:nvSpPr>
+              <p:cNvPr id="43" name="矩形 42">
+                <a:extLst>
+                  <a:ext uri="{FF2B5EF4-FFF2-40B4-BE49-F238E27FC236}">
+                    <a16:creationId xmlns:a16="http://schemas.microsoft.com/office/drawing/2014/main" id="{2C1ABCAA-3673-B23E-4A8A-7DE3E249BA27}"/>
+                  </a:ext>
+                </a:extLst>
+              </p:cNvPr>
+              <p:cNvSpPr/>
+              <p:nvPr/>
+            </p:nvSpPr>
+            <p:spPr>
+              <a:xfrm>
+                <a:off x="2994275" y="4010761"/>
+                <a:ext cx="144016" cy="144015"/>
+              </a:xfrm>
+              <a:prstGeom prst="rect">
+                <a:avLst/>
+              </a:prstGeom>
+              <a:noFill/>
+              <a:ln w="19050">
+                <a:solidFill>
+                  <a:srgbClr val="00B0F0"/>
+                </a:solidFill>
+              </a:ln>
+            </p:spPr>
+            <p:style>
+              <a:lnRef idx="2">
+                <a:schemeClr val="accent1">
+                  <a:shade val="15000"/>
+                </a:schemeClr>
+              </a:lnRef>
+              <a:fillRef idx="1">
+                <a:schemeClr val="accent1"/>
+              </a:fillRef>
+              <a:effectRef idx="0">
+                <a:schemeClr val="accent1"/>
+              </a:effectRef>
+              <a:fontRef idx="minor">
+                <a:schemeClr val="lt1"/>
+              </a:fontRef>
+            </p:style>
+            <p:txBody>
+              <a:bodyPr rtlCol="0" anchor="ctr"/>
+              <a:lstStyle/>
+              <a:p>
+                <a:pPr algn="ctr"/>
+                <a:endParaRPr lang="zh-CN" altLang="en-US"/>
+              </a:p>
+            </p:txBody>
+          </p:sp>
+        </p:grpSp>
+        <p:sp>
+          <p:nvSpPr>
+            <p:cNvPr id="56" name="矩形 55">
+              <a:extLst>
+                <a:ext uri="{FF2B5EF4-FFF2-40B4-BE49-F238E27FC236}">
+                  <a16:creationId xmlns:a16="http://schemas.microsoft.com/office/drawing/2014/main" id="{2BC8142B-8254-4D85-7A03-1FBF79F75F9F}"/>
+                </a:ext>
+              </a:extLst>
+            </p:cNvPr>
+            <p:cNvSpPr/>
+            <p:nvPr/>
+          </p:nvSpPr>
+          <p:spPr>
+            <a:xfrm>
+              <a:off x="6384033" y="4070994"/>
+              <a:ext cx="3960440" cy="727680"/>
+            </a:xfrm>
+            <a:prstGeom prst="rect">
+              <a:avLst/>
+            </a:prstGeom>
+            <a:noFill/>
+            <a:ln w="28575">
+              <a:solidFill>
+                <a:schemeClr val="accent1"/>
+              </a:solidFill>
+            </a:ln>
+          </p:spPr>
+          <p:style>
+            <a:lnRef idx="2">
+              <a:schemeClr val="accent1">
+                <a:shade val="15000"/>
+              </a:schemeClr>
+            </a:lnRef>
+            <a:fillRef idx="1">
+              <a:schemeClr val="accent1"/>
+            </a:fillRef>
+            <a:effectRef idx="0">
+              <a:schemeClr val="accent1"/>
+            </a:effectRef>
+            <a:fontRef idx="minor">
+              <a:schemeClr val="lt1"/>
+            </a:fontRef>
+          </p:style>
+          <p:txBody>
+            <a:bodyPr rtlCol="0" anchor="ctr"/>
+            <a:lstStyle/>
+            <a:p>
+              <a:pPr algn="ctr"/>
+              <a:endParaRPr lang="zh-CN" altLang="en-US" dirty="0">
+                <a:solidFill>
+                  <a:schemeClr val="accent1"/>
+                </a:solidFill>
+              </a:endParaRPr>
+            </a:p>
+          </p:txBody>
+        </p:sp>
+        <p:sp>
+          <p:nvSpPr>
+            <p:cNvPr id="57" name="矩形 56">
+              <a:extLst>
+                <a:ext uri="{FF2B5EF4-FFF2-40B4-BE49-F238E27FC236}">
+                  <a16:creationId xmlns:a16="http://schemas.microsoft.com/office/drawing/2014/main" id="{BB406E14-E4C0-9CCC-A3B3-ADF80636D145}"/>
+                </a:ext>
+              </a:extLst>
+            </p:cNvPr>
+            <p:cNvSpPr/>
+            <p:nvPr/>
+          </p:nvSpPr>
+          <p:spPr>
+            <a:xfrm rot="2853214">
+              <a:off x="6018352" y="3981329"/>
+              <a:ext cx="4732446" cy="856532"/>
+            </a:xfrm>
+            <a:prstGeom prst="rect">
+              <a:avLst/>
+            </a:prstGeom>
+            <a:noFill/>
+            <a:ln w="28575">
+              <a:solidFill>
+                <a:schemeClr val="accent1"/>
+              </a:solidFill>
+            </a:ln>
+          </p:spPr>
+          <p:style>
+            <a:lnRef idx="2">
+              <a:schemeClr val="accent1">
+                <a:shade val="15000"/>
+              </a:schemeClr>
+            </a:lnRef>
+            <a:fillRef idx="1">
+              <a:schemeClr val="accent1"/>
+            </a:fillRef>
+            <a:effectRef idx="0">
+              <a:schemeClr val="accent1"/>
+            </a:effectRef>
+            <a:fontRef idx="minor">
+              <a:schemeClr val="lt1"/>
+            </a:fontRef>
+          </p:style>
+          <p:txBody>
+            <a:bodyPr rtlCol="0" anchor="ctr"/>
+            <a:lstStyle/>
+            <a:p>
+              <a:pPr algn="ctr"/>
+              <a:endParaRPr lang="zh-CN" altLang="en-US" dirty="0">
+                <a:solidFill>
+                  <a:schemeClr val="accent1"/>
+                </a:solidFill>
+              </a:endParaRPr>
+            </a:p>
+          </p:txBody>
+        </p:sp>
+        <p:sp>
+          <p:nvSpPr>
+            <p:cNvPr id="58" name="矩形 57">
+              <a:extLst>
+                <a:ext uri="{FF2B5EF4-FFF2-40B4-BE49-F238E27FC236}">
+                  <a16:creationId xmlns:a16="http://schemas.microsoft.com/office/drawing/2014/main" id="{08713F1E-315F-4D51-F68A-8E5A1F7F7C33}"/>
+                </a:ext>
+              </a:extLst>
+            </p:cNvPr>
+            <p:cNvSpPr/>
+            <p:nvPr/>
+          </p:nvSpPr>
+          <p:spPr>
+            <a:xfrm rot="5400000">
+              <a:off x="6846409" y="4089366"/>
+              <a:ext cx="3516435" cy="856532"/>
+            </a:xfrm>
+            <a:prstGeom prst="rect">
+              <a:avLst/>
+            </a:prstGeom>
+            <a:noFill/>
+            <a:ln w="28575">
+              <a:solidFill>
+                <a:schemeClr val="accent1"/>
+              </a:solidFill>
+            </a:ln>
+          </p:spPr>
+          <p:style>
+            <a:lnRef idx="2">
+              <a:schemeClr val="accent1">
+                <a:shade val="15000"/>
+              </a:schemeClr>
+            </a:lnRef>
+            <a:fillRef idx="1">
+              <a:schemeClr val="accent1"/>
+            </a:fillRef>
+            <a:effectRef idx="0">
+              <a:schemeClr val="accent1"/>
+            </a:effectRef>
+            <a:fontRef idx="minor">
+              <a:schemeClr val="lt1"/>
+            </a:fontRef>
+          </p:style>
+          <p:txBody>
+            <a:bodyPr rtlCol="0" anchor="ctr"/>
+            <a:lstStyle/>
+            <a:p>
+              <a:pPr algn="ctr"/>
+              <a:endParaRPr lang="zh-CN" altLang="en-US" dirty="0">
+                <a:solidFill>
+                  <a:schemeClr val="accent1"/>
+                </a:solidFill>
+              </a:endParaRPr>
+            </a:p>
+          </p:txBody>
+        </p:sp>
+        <p:sp>
+          <p:nvSpPr>
+            <p:cNvPr id="59" name="矩形 58">
+              <a:extLst>
+                <a:ext uri="{FF2B5EF4-FFF2-40B4-BE49-F238E27FC236}">
+                  <a16:creationId xmlns:a16="http://schemas.microsoft.com/office/drawing/2014/main" id="{45EE8AB1-B1A6-2263-06AE-9C33160B5216}"/>
+                </a:ext>
+              </a:extLst>
+            </p:cNvPr>
+            <p:cNvSpPr/>
+            <p:nvPr/>
+          </p:nvSpPr>
+          <p:spPr>
+            <a:xfrm rot="7939720">
+              <a:off x="6068263" y="3925975"/>
+              <a:ext cx="4732446" cy="856532"/>
+            </a:xfrm>
+            <a:prstGeom prst="rect">
+              <a:avLst/>
+            </a:prstGeom>
+            <a:noFill/>
+            <a:ln w="28575">
+              <a:solidFill>
+                <a:schemeClr val="accent1"/>
+              </a:solidFill>
+            </a:ln>
+          </p:spPr>
+          <p:style>
+            <a:lnRef idx="2">
+              <a:schemeClr val="accent1">
+                <a:shade val="15000"/>
+              </a:schemeClr>
+            </a:lnRef>
+            <a:fillRef idx="1">
+              <a:schemeClr val="accent1"/>
+            </a:fillRef>
+            <a:effectRef idx="0">
+              <a:schemeClr val="accent1"/>
+            </a:effectRef>
+            <a:fontRef idx="minor">
+              <a:schemeClr val="lt1"/>
+            </a:fontRef>
+          </p:style>
+          <p:txBody>
+            <a:bodyPr rtlCol="0" anchor="ctr"/>
+            <a:lstStyle/>
+            <a:p>
+              <a:pPr algn="ctr"/>
+              <a:endParaRPr lang="zh-CN" altLang="en-US" dirty="0">
+                <a:solidFill>
+                  <a:schemeClr val="accent1"/>
+                </a:solidFill>
+              </a:endParaRPr>
+            </a:p>
+          </p:txBody>
+        </p:sp>
+      </p:grpSp>
+      <p:sp>
+        <p:nvSpPr>
+          <p:cNvPr id="61" name="文本框 60">
+            <a:extLst>
+              <a:ext uri="{FF2B5EF4-FFF2-40B4-BE49-F238E27FC236}">
+                <a16:creationId xmlns:a16="http://schemas.microsoft.com/office/drawing/2014/main" id="{B21D6A53-042C-9C80-4F27-FB7BB847FA9E}"/>
+              </a:ext>
+            </a:extLst>
+          </p:cNvPr>
+          <p:cNvSpPr txBox="1"/>
+          <p:nvPr/>
+        </p:nvSpPr>
+        <p:spPr>
+          <a:xfrm>
+            <a:off x="612364" y="5798214"/>
+            <a:ext cx="4944302" cy="923330"/>
+          </a:xfrm>
+          <a:prstGeom prst="rect">
+            <a:avLst/>
+          </a:prstGeom>
+          <a:noFill/>
+        </p:spPr>
+        <p:txBody>
+          <a:bodyPr wrap="none" rtlCol="0">
+            <a:spAutoFit/>
+          </a:bodyPr>
+          <a:lstStyle/>
+          <a:p>
+            <a:r>
+              <a:rPr lang="en-US" altLang="zh-CN" dirty="0"/>
+              <a:t>The former algorithm can not detect the winning</a:t>
+            </a:r>
+          </a:p>
+          <a:p>
+            <a:r>
+              <a:rPr lang="en-US" altLang="zh-CN" dirty="0"/>
+              <a:t>condition for player 1 when the black stone is</a:t>
+            </a:r>
+          </a:p>
+          <a:p>
+            <a:r>
+              <a:rPr lang="en-US" altLang="zh-CN" dirty="0"/>
+              <a:t>placed on the position that the red arrow points to</a:t>
+            </a:r>
+            <a:endParaRPr lang="zh-CN" altLang="en-US" dirty="0"/>
+          </a:p>
+        </p:txBody>
+      </p:sp>
+    </p:spTree>
+    <p:extLst>
+      <p:ext uri="{BB962C8B-B14F-4D97-AF65-F5344CB8AC3E}">
+        <p14:creationId xmlns:p14="http://schemas.microsoft.com/office/powerpoint/2010/main" val="58146980"/>
+      </p:ext>
+    </p:extLst>
+  </p:cSld>
+  <p:clrMapOvr>
+    <a:masterClrMapping/>
+  </p:clrMapOvr>
+  <p:timing>
+    <p:tnLst>
+      <p:par>
+        <p:cTn id="1" dur="indefinite" restart="never" nodeType="tmRoot">
+          <p:childTnLst>
+            <p:seq concurrent="1" nextAc="seek">
+              <p:cTn id="2" dur="indefinite" nodeType="mainSeq">
+                <p:childTnLst>
+                  <p:par>
+                    <p:cTn id="3" fill="hold">
+                      <p:stCondLst>
+                        <p:cond delay="indefinite"/>
+                      </p:stCondLst>
+                      <p:childTnLst>
+                        <p:par>
+                          <p:cTn id="4" fill="hold">
+                            <p:stCondLst>
+                              <p:cond delay="0"/>
+                            </p:stCondLst>
+                            <p:childTnLst>
+                              <p:par>
+                                <p:cTn id="5" presetID="10" presetClass="entr" presetSubtype="0" fill="hold" grpId="0" nodeType="clickEffect">
+                                  <p:stCondLst>
+                                    <p:cond delay="0"/>
+                                  </p:stCondLst>
+                                  <p:childTnLst>
+                                    <p:set>
+                                      <p:cBhvr>
+                                        <p:cTn id="6" dur="1" fill="hold">
+                                          <p:stCondLst>
+                                            <p:cond delay="0"/>
+                                          </p:stCondLst>
+                                        </p:cTn>
+                                        <p:tgtEl>
+                                          <p:spTgt spid="6"/>
+                                        </p:tgtEl>
+                                        <p:attrNameLst>
+                                          <p:attrName>style.visibility</p:attrName>
+                                        </p:attrNameLst>
+                                      </p:cBhvr>
+                                      <p:to>
+                                        <p:strVal val="visible"/>
+                                      </p:to>
+                                    </p:set>
+                                    <p:animEffect transition="in" filter="fade">
+                                      <p:cBhvr>
+                                        <p:cTn id="7" dur="500"/>
+                                        <p:tgtEl>
+                                          <p:spTgt spid="6"/>
+                                        </p:tgtEl>
+                                      </p:cBhvr>
+                                    </p:animEffect>
+                                  </p:childTnLst>
+                                </p:cTn>
+                              </p:par>
+                            </p:childTnLst>
+                          </p:cTn>
+                        </p:par>
+                      </p:childTnLst>
+                    </p:cTn>
+                  </p:par>
+                </p:childTnLst>
+              </p:cTn>
+              <p:prevCondLst>
+                <p:cond evt="onPrev" delay="0">
+                  <p:tgtEl>
+                    <p:sldTgt/>
+                  </p:tgtEl>
+                </p:cond>
+              </p:prevCondLst>
+              <p:nextCondLst>
+                <p:cond evt="onNext" delay="0">
+                  <p:tgtEl>
+                    <p:sldTgt/>
+                  </p:tgtEl>
+                </p:cond>
+              </p:nextCondLst>
+            </p:seq>
+          </p:childTnLst>
+        </p:cTn>
+      </p:par>
+    </p:tnLst>
+    <p:bldLst>
+      <p:bldP spid="6" grpId="0"/>
+    </p:bldLst>
+  </p:timing>
+</p:sld>
+</file>
+
+<file path=ppt/slides/slide9.xml><?xml version="1.0" encoding="utf-8"?>
+<p:sld xmlns:a="http://schemas.openxmlformats.org/drawingml/2006/main" xmlns:r="http://schemas.openxmlformats.org/officeDocument/2006/relationships" xmlns:p="http://schemas.openxmlformats.org/presentationml/2006/main">
+  <p:cSld>
+    <p:spTree>
+      <p:nvGrpSpPr>
         <p:cNvPr id="1" name=""/>
         <p:cNvGrpSpPr/>
         <p:nvPr/>
@@ -14844,360 +17722,6 @@
 </p:sld>
 </file>
 
-<file path=ppt/slides/slide9.xml><?xml version="1.0" encoding="utf-8"?>
-<p:sld xmlns:a="http://schemas.openxmlformats.org/drawingml/2006/main" xmlns:r="http://schemas.openxmlformats.org/officeDocument/2006/relationships" xmlns:p="http://schemas.openxmlformats.org/presentationml/2006/main">
-  <p:cSld>
-    <p:spTree>
-      <p:nvGrpSpPr>
-        <p:cNvPr id="1" name="">
-          <a:extLst>
-            <a:ext uri="{FF2B5EF4-FFF2-40B4-BE49-F238E27FC236}">
-              <a16:creationId xmlns:a16="http://schemas.microsoft.com/office/drawing/2014/main" id="{EDB11E35-B1F7-7C18-C66A-6AA2EBDD826A}"/>
-            </a:ext>
-          </a:extLst>
-        </p:cNvPr>
-        <p:cNvGrpSpPr/>
-        <p:nvPr/>
-      </p:nvGrpSpPr>
-      <p:grpSpPr>
-        <a:xfrm>
-          <a:off x="0" y="0"/>
-          <a:ext cx="0" cy="0"/>
-          <a:chOff x="0" y="0"/>
-          <a:chExt cx="0" cy="0"/>
-        </a:xfrm>
-      </p:grpSpPr>
-      <p:sp>
-        <p:nvSpPr>
-          <p:cNvPr id="1048589" name="标题 4">
-            <a:extLst>
-              <a:ext uri="{FF2B5EF4-FFF2-40B4-BE49-F238E27FC236}">
-                <a16:creationId xmlns:a16="http://schemas.microsoft.com/office/drawing/2014/main" id="{3A6973EA-4B0D-2DAD-450E-7EDDA2C60FDF}"/>
-              </a:ext>
-            </a:extLst>
-          </p:cNvPr>
-          <p:cNvSpPr>
-            <a:spLocks noGrp="1"/>
-          </p:cNvSpPr>
-          <p:nvPr>
-            <p:ph type="title"/>
-          </p:nvPr>
-        </p:nvSpPr>
-        <p:spPr/>
-        <p:txBody>
-          <a:bodyPr>
-            <a:normAutofit/>
-          </a:bodyPr>
-          <a:lstStyle/>
-          <a:p>
-            <a:r>
-              <a:rPr lang="en-US" altLang="zh-CN" sz="4000" dirty="0"/>
-              <a:t>Sample Input / Output</a:t>
-            </a:r>
-            <a:endParaRPr lang="zh-CN" sz="4000" dirty="0"/>
-          </a:p>
-        </p:txBody>
-      </p:sp>
-      <p:pic>
-        <p:nvPicPr>
-          <p:cNvPr id="4" name="图片 3">
-            <a:extLst>
-              <a:ext uri="{FF2B5EF4-FFF2-40B4-BE49-F238E27FC236}">
-                <a16:creationId xmlns:a16="http://schemas.microsoft.com/office/drawing/2014/main" id="{3449A544-CC09-88B7-DFE6-4C196962B302}"/>
-              </a:ext>
-            </a:extLst>
-          </p:cNvPr>
-          <p:cNvPicPr>
-            <a:picLocks noChangeAspect="1"/>
-          </p:cNvPicPr>
-          <p:nvPr/>
-        </p:nvPicPr>
-        <p:blipFill>
-          <a:blip r:embed="rId2"/>
-          <a:stretch>
-            <a:fillRect/>
-          </a:stretch>
-        </p:blipFill>
-        <p:spPr>
-          <a:xfrm>
-            <a:off x="275703" y="1412776"/>
-            <a:ext cx="5820297" cy="4032448"/>
-          </a:xfrm>
-          <a:prstGeom prst="rect">
-            <a:avLst/>
-          </a:prstGeom>
-        </p:spPr>
-      </p:pic>
-      <p:pic>
-        <p:nvPicPr>
-          <p:cNvPr id="6" name="图片 5">
-            <a:extLst>
-              <a:ext uri="{FF2B5EF4-FFF2-40B4-BE49-F238E27FC236}">
-                <a16:creationId xmlns:a16="http://schemas.microsoft.com/office/drawing/2014/main" id="{A17DF40C-3F57-F0D9-59DB-83F6CC912790}"/>
-              </a:ext>
-            </a:extLst>
-          </p:cNvPr>
-          <p:cNvPicPr>
-            <a:picLocks noChangeAspect="1"/>
-          </p:cNvPicPr>
-          <p:nvPr/>
-        </p:nvPicPr>
-        <p:blipFill>
-          <a:blip r:embed="rId3"/>
-          <a:stretch>
-            <a:fillRect/>
-          </a:stretch>
-        </p:blipFill>
-        <p:spPr>
-          <a:xfrm>
-            <a:off x="6384032" y="1412776"/>
-            <a:ext cx="5504368" cy="4032448"/>
-          </a:xfrm>
-          <a:prstGeom prst="rect">
-            <a:avLst/>
-          </a:prstGeom>
-        </p:spPr>
-      </p:pic>
-      <p:sp>
-        <p:nvSpPr>
-          <p:cNvPr id="8" name="文本框 7">
-            <a:extLst>
-              <a:ext uri="{FF2B5EF4-FFF2-40B4-BE49-F238E27FC236}">
-                <a16:creationId xmlns:a16="http://schemas.microsoft.com/office/drawing/2014/main" id="{D1B581C3-DDC5-F308-8D54-3B0E48B50747}"/>
-              </a:ext>
-            </a:extLst>
-          </p:cNvPr>
-          <p:cNvSpPr txBox="1"/>
-          <p:nvPr/>
-        </p:nvSpPr>
-        <p:spPr>
-          <a:xfrm>
-            <a:off x="2207568" y="5733256"/>
-            <a:ext cx="8640960" cy="338554"/>
-          </a:xfrm>
-          <a:prstGeom prst="rect">
-            <a:avLst/>
-          </a:prstGeom>
-          <a:noFill/>
-        </p:spPr>
-        <p:txBody>
-          <a:bodyPr wrap="square" rtlCol="0">
-            <a:spAutoFit/>
-          </a:bodyPr>
-          <a:lstStyle/>
-          <a:p>
-            <a:r>
-              <a:rPr lang="en-US" altLang="zh-CN" sz="1600" dirty="0"/>
-              <a:t>Player 1 picks (4,5) and forms five-stone-in-one-row, and the console show that the winner is Player 1.</a:t>
-            </a:r>
-          </a:p>
-        </p:txBody>
-      </p:sp>
-    </p:spTree>
-    <p:extLst>
-      <p:ext uri="{BB962C8B-B14F-4D97-AF65-F5344CB8AC3E}">
-        <p14:creationId xmlns:p14="http://schemas.microsoft.com/office/powerpoint/2010/main" val="1458745136"/>
-      </p:ext>
-    </p:extLst>
-  </p:cSld>
-  <p:clrMapOvr>
-    <a:masterClrMapping/>
-  </p:clrMapOvr>
-  <p:timing>
-    <p:tnLst>
-      <p:par>
-        <p:cTn id="1" dur="indefinite" restart="never" nodeType="tmRoot">
-          <p:childTnLst>
-            <p:seq concurrent="1" nextAc="seek">
-              <p:cTn id="2" dur="indefinite" nodeType="mainSeq">
-                <p:childTnLst>
-                  <p:par>
-                    <p:cTn id="3" fill="hold">
-                      <p:stCondLst>
-                        <p:cond delay="indefinite"/>
-                      </p:stCondLst>
-                      <p:childTnLst>
-                        <p:par>
-                          <p:cTn id="4" fill="hold">
-                            <p:stCondLst>
-                              <p:cond delay="0"/>
-                            </p:stCondLst>
-                            <p:childTnLst>
-                              <p:par>
-                                <p:cTn id="5" presetID="10" presetClass="entr" presetSubtype="0" fill="hold" nodeType="clickEffect">
-                                  <p:stCondLst>
-                                    <p:cond delay="0"/>
-                                  </p:stCondLst>
-                                  <p:childTnLst>
-                                    <p:set>
-                                      <p:cBhvr>
-                                        <p:cTn id="6" dur="1" fill="hold">
-                                          <p:stCondLst>
-                                            <p:cond delay="0"/>
-                                          </p:stCondLst>
-                                        </p:cTn>
-                                        <p:tgtEl>
-                                          <p:spTgt spid="4"/>
-                                        </p:tgtEl>
-                                        <p:attrNameLst>
-                                          <p:attrName>style.visibility</p:attrName>
-                                        </p:attrNameLst>
-                                      </p:cBhvr>
-                                      <p:to>
-                                        <p:strVal val="visible"/>
-                                      </p:to>
-                                    </p:set>
-                                    <p:animEffect transition="in" filter="fade">
-                                      <p:cBhvr>
-                                        <p:cTn id="7" dur="500"/>
-                                        <p:tgtEl>
-                                          <p:spTgt spid="4"/>
-                                        </p:tgtEl>
-                                      </p:cBhvr>
-                                    </p:animEffect>
-                                  </p:childTnLst>
-                                </p:cTn>
-                              </p:par>
-                            </p:childTnLst>
-                          </p:cTn>
-                        </p:par>
-                      </p:childTnLst>
-                    </p:cTn>
-                  </p:par>
-                  <p:par>
-                    <p:cTn id="8" fill="hold">
-                      <p:stCondLst>
-                        <p:cond delay="indefinite"/>
-                      </p:stCondLst>
-                      <p:childTnLst>
-                        <p:par>
-                          <p:cTn id="9" fill="hold">
-                            <p:stCondLst>
-                              <p:cond delay="0"/>
-                            </p:stCondLst>
-                            <p:childTnLst>
-                              <p:par>
-                                <p:cTn id="10" presetID="10" presetClass="entr" presetSubtype="0" fill="hold" nodeType="clickEffect">
-                                  <p:stCondLst>
-                                    <p:cond delay="0"/>
-                                  </p:stCondLst>
-                                  <p:childTnLst>
-                                    <p:set>
-                                      <p:cBhvr>
-                                        <p:cTn id="11" dur="1" fill="hold">
-                                          <p:stCondLst>
-                                            <p:cond delay="0"/>
-                                          </p:stCondLst>
-                                        </p:cTn>
-                                        <p:tgtEl>
-                                          <p:spTgt spid="6"/>
-                                        </p:tgtEl>
-                                        <p:attrNameLst>
-                                          <p:attrName>style.visibility</p:attrName>
-                                        </p:attrNameLst>
-                                      </p:cBhvr>
-                                      <p:to>
-                                        <p:strVal val="visible"/>
-                                      </p:to>
-                                    </p:set>
-                                    <p:animEffect transition="in" filter="fade">
-                                      <p:cBhvr>
-                                        <p:cTn id="12" dur="500"/>
-                                        <p:tgtEl>
-                                          <p:spTgt spid="6"/>
-                                        </p:tgtEl>
-                                      </p:cBhvr>
-                                    </p:animEffect>
-                                  </p:childTnLst>
-                                </p:cTn>
-                              </p:par>
-                            </p:childTnLst>
-                          </p:cTn>
-                        </p:par>
-                      </p:childTnLst>
-                    </p:cTn>
-                  </p:par>
-                  <p:par>
-                    <p:cTn id="13" fill="hold">
-                      <p:stCondLst>
-                        <p:cond delay="indefinite"/>
-                      </p:stCondLst>
-                      <p:childTnLst>
-                        <p:par>
-                          <p:cTn id="14" fill="hold">
-                            <p:stCondLst>
-                              <p:cond delay="0"/>
-                            </p:stCondLst>
-                            <p:childTnLst>
-                              <p:par>
-                                <p:cTn id="15" presetID="10" presetClass="entr" presetSubtype="0" fill="hold" grpId="0" nodeType="clickEffect">
-                                  <p:stCondLst>
-                                    <p:cond delay="0"/>
-                                  </p:stCondLst>
-                                  <p:childTnLst>
-                                    <p:set>
-                                      <p:cBhvr>
-                                        <p:cTn id="16" dur="1" fill="hold">
-                                          <p:stCondLst>
-                                            <p:cond delay="0"/>
-                                          </p:stCondLst>
-                                        </p:cTn>
-                                        <p:tgtEl>
-                                          <p:spTgt spid="8"/>
-                                        </p:tgtEl>
-                                        <p:attrNameLst>
-                                          <p:attrName>style.visibility</p:attrName>
-                                        </p:attrNameLst>
-                                      </p:cBhvr>
-                                      <p:to>
-                                        <p:strVal val="visible"/>
-                                      </p:to>
-                                    </p:set>
-                                    <p:animEffect transition="in" filter="fade">
-                                      <p:cBhvr>
-                                        <p:cTn id="17" dur="500"/>
-                                        <p:tgtEl>
-                                          <p:spTgt spid="8"/>
-                                        </p:tgtEl>
-                                      </p:cBhvr>
-                                    </p:animEffect>
-                                  </p:childTnLst>
-                                </p:cTn>
-                              </p:par>
-                            </p:childTnLst>
-                          </p:cTn>
-                        </p:par>
-                      </p:childTnLst>
-                    </p:cTn>
-                  </p:par>
-                </p:childTnLst>
-              </p:cTn>
-              <p:prevCondLst>
-                <p:cond evt="onPrev" delay="0">
-                  <p:tgtEl>
-                    <p:sldTgt/>
-                  </p:tgtEl>
-                </p:cond>
-              </p:prevCondLst>
-              <p:nextCondLst>
-                <p:cond evt="onNext" delay="0">
-                  <p:tgtEl>
-                    <p:sldTgt/>
-                  </p:tgtEl>
-                </p:cond>
-              </p:nextCondLst>
-            </p:seq>
-          </p:childTnLst>
-        </p:cTn>
-      </p:par>
-    </p:tnLst>
-    <p:bldLst>
-      <p:bldP spid="8" grpId="0"/>
-    </p:bldLst>
-  </p:timing>
-</p:sld>
-</file>
-
 <file path=ppt/tags/tag1.xml><?xml version="1.0" encoding="utf-8"?>
 <p:tagLst xmlns:a="http://schemas.openxmlformats.org/drawingml/2006/main" xmlns:r="http://schemas.openxmlformats.org/officeDocument/2006/relationships" xmlns:p="http://schemas.openxmlformats.org/presentationml/2006/main">
   <p:tag name="KSO_WPP_MARK_KEY" val="1fe9a046-a2a9-43bc-a645-b850c7246860"/>
